--- a/prezentacja_lodoba_werminski.pptx
+++ b/prezentacja_lodoba_werminski.pptx
@@ -16,11 +16,16 @@
     <p:sldId id="269" r:id="rId10"/>
     <p:sldId id="262" r:id="rId11"/>
     <p:sldId id="270" r:id="rId12"/>
-    <p:sldId id="271" r:id="rId13"/>
-    <p:sldId id="263" r:id="rId14"/>
-    <p:sldId id="264" r:id="rId15"/>
-    <p:sldId id="265" r:id="rId16"/>
-    <p:sldId id="266" r:id="rId17"/>
+    <p:sldId id="263" r:id="rId13"/>
+    <p:sldId id="273" r:id="rId14"/>
+    <p:sldId id="274" r:id="rId15"/>
+    <p:sldId id="264" r:id="rId16"/>
+    <p:sldId id="276" r:id="rId17"/>
+    <p:sldId id="275" r:id="rId18"/>
+    <p:sldId id="271" r:id="rId19"/>
+    <p:sldId id="272" r:id="rId20"/>
+    <p:sldId id="265" r:id="rId21"/>
+    <p:sldId id="266" r:id="rId22"/>
   </p:sldIdLst>
   <p:sldSz cx="12192000" cy="6858000"/>
   <p:notesSz cx="6858000" cy="9144000"/>
@@ -119,6 +124,11 @@
       </a:defRPr>
     </a:lvl9pPr>
   </p:defaultTextStyle>
+  <p:extLst>
+    <p:ext uri="{EFAFB233-063F-42B5-8137-9DF3F51BA10A}">
+      <p15:sldGuideLst xmlns:p15="http://schemas.microsoft.com/office/powerpoint/2012/main"/>
+    </p:ext>
+  </p:extLst>
 </p:presentation>
 </file>
 
@@ -179,7 +189,7 @@
           <a:noFill/>
           <a:extLst>
             <a:ext uri="{909E8E84-426E-40dd-AFC4-6F175D3DCCD1}">
-              <a14:hiddenFill xmlns:a14="http://schemas.microsoft.com/office/drawing/2010/main" xmlns="">
+              <a14:hiddenFill xmlns="" xmlns:a14="http://schemas.microsoft.com/office/drawing/2010/main">
                 <a:solidFill>
                   <a:srgbClr val="FFFFFF"/>
                 </a:solidFill>
@@ -238,7 +248,7 @@
             </a:ln>
             <a:extLst>
               <a:ext uri="{91240B29-F687-4f45-9708-019B960494DF}">
-                <a14:hiddenLine xmlns:a14="http://schemas.microsoft.com/office/drawing/2010/main" xmlns="" w="9525">
+                <a14:hiddenLine xmlns="" xmlns:a14="http://schemas.microsoft.com/office/drawing/2010/main" w="9525">
                   <a:solidFill>
                     <a:srgbClr val="000000"/>
                   </a:solidFill>
@@ -328,7 +338,7 @@
             </a:ln>
             <a:extLst>
               <a:ext uri="{91240B29-F687-4f45-9708-019B960494DF}">
-                <a14:hiddenLine xmlns:a14="http://schemas.microsoft.com/office/drawing/2010/main" xmlns="" w="9525">
+                <a14:hiddenLine xmlns="" xmlns:a14="http://schemas.microsoft.com/office/drawing/2010/main" w="9525">
                   <a:solidFill>
                     <a:srgbClr val="000000"/>
                   </a:solidFill>
@@ -418,7 +428,7 @@
             </a:ln>
             <a:extLst>
               <a:ext uri="{91240B29-F687-4f45-9708-019B960494DF}">
-                <a14:hiddenLine xmlns:a14="http://schemas.microsoft.com/office/drawing/2010/main" xmlns="" w="9525">
+                <a14:hiddenLine xmlns="" xmlns:a14="http://schemas.microsoft.com/office/drawing/2010/main" w="9525">
                   <a:solidFill>
                     <a:srgbClr val="000000"/>
                   </a:solidFill>
@@ -452,7 +462,7 @@
             </a:ln>
             <a:extLst>
               <a:ext uri="{91240B29-F687-4f45-9708-019B960494DF}">
-                <a14:hiddenLine xmlns:a14="http://schemas.microsoft.com/office/drawing/2010/main" xmlns="" w="9525">
+                <a14:hiddenLine xmlns="" xmlns:a14="http://schemas.microsoft.com/office/drawing/2010/main" w="9525">
                   <a:solidFill>
                     <a:srgbClr val="000000"/>
                   </a:solidFill>
@@ -542,7 +552,7 @@
             </a:ln>
             <a:extLst>
               <a:ext uri="{91240B29-F687-4f45-9708-019B960494DF}">
-                <a14:hiddenLine xmlns:a14="http://schemas.microsoft.com/office/drawing/2010/main" xmlns="" w="9525">
+                <a14:hiddenLine xmlns="" xmlns:a14="http://schemas.microsoft.com/office/drawing/2010/main" w="9525">
                   <a:solidFill>
                     <a:srgbClr val="000000"/>
                   </a:solidFill>
@@ -604,7 +614,7 @@
             </a:ln>
             <a:extLst>
               <a:ext uri="{91240B29-F687-4f45-9708-019B960494DF}">
-                <a14:hiddenLine xmlns:a14="http://schemas.microsoft.com/office/drawing/2010/main" xmlns="" w="9525">
+                <a14:hiddenLine xmlns="" xmlns:a14="http://schemas.microsoft.com/office/drawing/2010/main" w="9525">
                   <a:solidFill>
                     <a:srgbClr val="000000"/>
                   </a:solidFill>
@@ -666,7 +676,7 @@
             </a:ln>
             <a:extLst>
               <a:ext uri="{91240B29-F687-4f45-9708-019B960494DF}">
-                <a14:hiddenLine xmlns:a14="http://schemas.microsoft.com/office/drawing/2010/main" xmlns="" w="9525">
+                <a14:hiddenLine xmlns="" xmlns:a14="http://schemas.microsoft.com/office/drawing/2010/main" w="9525">
                   <a:solidFill>
                     <a:srgbClr val="000000"/>
                   </a:solidFill>
@@ -756,7 +766,7 @@
             </a:ln>
             <a:extLst>
               <a:ext uri="{91240B29-F687-4f45-9708-019B960494DF}">
-                <a14:hiddenLine xmlns:a14="http://schemas.microsoft.com/office/drawing/2010/main" xmlns="" w="9525">
+                <a14:hiddenLine xmlns="" xmlns:a14="http://schemas.microsoft.com/office/drawing/2010/main" w="9525">
                   <a:solidFill>
                     <a:srgbClr val="000000"/>
                   </a:solidFill>
@@ -818,7 +828,7 @@
             </a:ln>
             <a:extLst>
               <a:ext uri="{91240B29-F687-4f45-9708-019B960494DF}">
-                <a14:hiddenLine xmlns:a14="http://schemas.microsoft.com/office/drawing/2010/main" xmlns="" w="9525">
+                <a14:hiddenLine xmlns="" xmlns:a14="http://schemas.microsoft.com/office/drawing/2010/main" w="9525">
                   <a:solidFill>
                     <a:srgbClr val="000000"/>
                   </a:solidFill>
@@ -880,7 +890,7 @@
             </a:ln>
             <a:extLst>
               <a:ext uri="{91240B29-F687-4f45-9708-019B960494DF}">
-                <a14:hiddenLine xmlns:a14="http://schemas.microsoft.com/office/drawing/2010/main" xmlns="" w="9525">
+                <a14:hiddenLine xmlns="" xmlns:a14="http://schemas.microsoft.com/office/drawing/2010/main" w="9525">
                   <a:solidFill>
                     <a:srgbClr val="000000"/>
                   </a:solidFill>
@@ -970,7 +980,7 @@
             </a:ln>
             <a:extLst>
               <a:ext uri="{91240B29-F687-4f45-9708-019B960494DF}">
-                <a14:hiddenLine xmlns:a14="http://schemas.microsoft.com/office/drawing/2010/main" xmlns="" w="9525">
+                <a14:hiddenLine xmlns="" xmlns:a14="http://schemas.microsoft.com/office/drawing/2010/main" w="9525">
                   <a:solidFill>
                     <a:srgbClr val="000000"/>
                   </a:solidFill>
@@ -1060,7 +1070,7 @@
             </a:ln>
             <a:extLst>
               <a:ext uri="{91240B29-F687-4f45-9708-019B960494DF}">
-                <a14:hiddenLine xmlns:a14="http://schemas.microsoft.com/office/drawing/2010/main" xmlns="" w="9525">
+                <a14:hiddenLine xmlns="" xmlns:a14="http://schemas.microsoft.com/office/drawing/2010/main" w="9525">
                   <a:solidFill>
                     <a:srgbClr val="000000"/>
                   </a:solidFill>
@@ -1122,7 +1132,7 @@
             </a:ln>
             <a:extLst>
               <a:ext uri="{91240B29-F687-4f45-9708-019B960494DF}">
-                <a14:hiddenLine xmlns:a14="http://schemas.microsoft.com/office/drawing/2010/main" xmlns="" w="9525">
+                <a14:hiddenLine xmlns="" xmlns:a14="http://schemas.microsoft.com/office/drawing/2010/main" w="9525">
                   <a:solidFill>
                     <a:srgbClr val="000000"/>
                   </a:solidFill>
@@ -1232,7 +1242,7 @@
             </a:ln>
             <a:extLst>
               <a:ext uri="{91240B29-F687-4f45-9708-019B960494DF}">
-                <a14:hiddenLine xmlns:a14="http://schemas.microsoft.com/office/drawing/2010/main" xmlns="" w="9525">
+                <a14:hiddenLine xmlns="" xmlns:a14="http://schemas.microsoft.com/office/drawing/2010/main" w="9525">
                   <a:solidFill>
                     <a:srgbClr val="000000"/>
                   </a:solidFill>
@@ -1294,7 +1304,7 @@
             </a:ln>
             <a:extLst>
               <a:ext uri="{91240B29-F687-4f45-9708-019B960494DF}">
-                <a14:hiddenLine xmlns:a14="http://schemas.microsoft.com/office/drawing/2010/main" xmlns="" w="9525">
+                <a14:hiddenLine xmlns="" xmlns:a14="http://schemas.microsoft.com/office/drawing/2010/main" w="9525">
                   <a:solidFill>
                     <a:srgbClr val="000000"/>
                   </a:solidFill>
@@ -1384,7 +1394,7 @@
             </a:ln>
             <a:extLst>
               <a:ext uri="{91240B29-F687-4f45-9708-019B960494DF}">
-                <a14:hiddenLine xmlns:a14="http://schemas.microsoft.com/office/drawing/2010/main" xmlns="" w="9525">
+                <a14:hiddenLine xmlns="" xmlns:a14="http://schemas.microsoft.com/office/drawing/2010/main" w="9525">
                   <a:solidFill>
                     <a:srgbClr val="000000"/>
                   </a:solidFill>
@@ -1474,7 +1484,7 @@
             </a:ln>
             <a:extLst>
               <a:ext uri="{91240B29-F687-4f45-9708-019B960494DF}">
-                <a14:hiddenLine xmlns:a14="http://schemas.microsoft.com/office/drawing/2010/main" xmlns="" w="9525">
+                <a14:hiddenLine xmlns="" xmlns:a14="http://schemas.microsoft.com/office/drawing/2010/main" w="9525">
                   <a:solidFill>
                     <a:srgbClr val="000000"/>
                   </a:solidFill>
@@ -1536,7 +1546,7 @@
             </a:ln>
             <a:extLst>
               <a:ext uri="{91240B29-F687-4f45-9708-019B960494DF}">
-                <a14:hiddenLine xmlns:a14="http://schemas.microsoft.com/office/drawing/2010/main" xmlns="" w="9525">
+                <a14:hiddenLine xmlns="" xmlns:a14="http://schemas.microsoft.com/office/drawing/2010/main" w="9525">
                   <a:solidFill>
                     <a:srgbClr val="000000"/>
                   </a:solidFill>
@@ -1626,7 +1636,7 @@
             </a:ln>
             <a:extLst>
               <a:ext uri="{91240B29-F687-4f45-9708-019B960494DF}">
-                <a14:hiddenLine xmlns:a14="http://schemas.microsoft.com/office/drawing/2010/main" xmlns="" w="9525">
+                <a14:hiddenLine xmlns="" xmlns:a14="http://schemas.microsoft.com/office/drawing/2010/main" w="9525">
                   <a:solidFill>
                     <a:srgbClr val="000000"/>
                   </a:solidFill>
@@ -1716,7 +1726,7 @@
             </a:ln>
             <a:extLst>
               <a:ext uri="{91240B29-F687-4f45-9708-019B960494DF}">
-                <a14:hiddenLine xmlns:a14="http://schemas.microsoft.com/office/drawing/2010/main" xmlns="" w="9525">
+                <a14:hiddenLine xmlns="" xmlns:a14="http://schemas.microsoft.com/office/drawing/2010/main" w="9525">
                   <a:solidFill>
                     <a:srgbClr val="000000"/>
                   </a:solidFill>
@@ -1772,7 +1782,7 @@
             </a:ln>
             <a:extLst>
               <a:ext uri="{91240B29-F687-4f45-9708-019B960494DF}">
-                <a14:hiddenLine xmlns:a14="http://schemas.microsoft.com/office/drawing/2010/main" xmlns="" w="9525">
+                <a14:hiddenLine xmlns="" xmlns:a14="http://schemas.microsoft.com/office/drawing/2010/main" w="9525">
                   <a:solidFill>
                     <a:srgbClr val="000000"/>
                   </a:solidFill>
@@ -1862,7 +1872,7 @@
             </a:ln>
             <a:extLst>
               <a:ext uri="{91240B29-F687-4f45-9708-019B960494DF}">
-                <a14:hiddenLine xmlns:a14="http://schemas.microsoft.com/office/drawing/2010/main" xmlns="" w="9525">
+                <a14:hiddenLine xmlns="" xmlns:a14="http://schemas.microsoft.com/office/drawing/2010/main" w="9525">
                   <a:solidFill>
                     <a:srgbClr val="000000"/>
                   </a:solidFill>
@@ -1918,7 +1928,7 @@
             </a:ln>
             <a:extLst>
               <a:ext uri="{91240B29-F687-4f45-9708-019B960494DF}">
-                <a14:hiddenLine xmlns:a14="http://schemas.microsoft.com/office/drawing/2010/main" xmlns="" w="9525">
+                <a14:hiddenLine xmlns="" xmlns:a14="http://schemas.microsoft.com/office/drawing/2010/main" w="9525">
                   <a:solidFill>
                     <a:srgbClr val="000000"/>
                   </a:solidFill>
@@ -2008,7 +2018,7 @@
             </a:ln>
             <a:extLst>
               <a:ext uri="{91240B29-F687-4f45-9708-019B960494DF}">
-                <a14:hiddenLine xmlns:a14="http://schemas.microsoft.com/office/drawing/2010/main" xmlns="" w="9525">
+                <a14:hiddenLine xmlns="" xmlns:a14="http://schemas.microsoft.com/office/drawing/2010/main" w="9525">
                   <a:solidFill>
                     <a:srgbClr val="000000"/>
                   </a:solidFill>
@@ -2076,7 +2086,7 @@
             </a:ln>
             <a:extLst>
               <a:ext uri="{91240B29-F687-4f45-9708-019B960494DF}">
-                <a14:hiddenLine xmlns:a14="http://schemas.microsoft.com/office/drawing/2010/main" xmlns="" w="9525">
+                <a14:hiddenLine xmlns="" xmlns:a14="http://schemas.microsoft.com/office/drawing/2010/main" w="9525">
                   <a:solidFill>
                     <a:srgbClr val="000000"/>
                   </a:solidFill>
@@ -2166,7 +2176,7 @@
             </a:ln>
             <a:extLst>
               <a:ext uri="{91240B29-F687-4f45-9708-019B960494DF}">
-                <a14:hiddenLine xmlns:a14="http://schemas.microsoft.com/office/drawing/2010/main" xmlns="" w="9525">
+                <a14:hiddenLine xmlns="" xmlns:a14="http://schemas.microsoft.com/office/drawing/2010/main" w="9525">
                   <a:solidFill>
                     <a:srgbClr val="000000"/>
                   </a:solidFill>
@@ -2234,7 +2244,7 @@
             </a:ln>
             <a:extLst>
               <a:ext uri="{91240B29-F687-4f45-9708-019B960494DF}">
-                <a14:hiddenLine xmlns:a14="http://schemas.microsoft.com/office/drawing/2010/main" xmlns="" w="9525">
+                <a14:hiddenLine xmlns="" xmlns:a14="http://schemas.microsoft.com/office/drawing/2010/main" w="9525">
                   <a:solidFill>
                     <a:srgbClr val="000000"/>
                   </a:solidFill>
@@ -2324,7 +2334,7 @@
             </a:ln>
             <a:extLst>
               <a:ext uri="{91240B29-F687-4f45-9708-019B960494DF}">
-                <a14:hiddenLine xmlns:a14="http://schemas.microsoft.com/office/drawing/2010/main" xmlns="" w="9525">
+                <a14:hiddenLine xmlns="" xmlns:a14="http://schemas.microsoft.com/office/drawing/2010/main" w="9525">
                   <a:solidFill>
                     <a:srgbClr val="000000"/>
                   </a:solidFill>
@@ -2358,7 +2368,7 @@
             </a:ln>
             <a:extLst>
               <a:ext uri="{91240B29-F687-4f45-9708-019B960494DF}">
-                <a14:hiddenLine xmlns:a14="http://schemas.microsoft.com/office/drawing/2010/main" xmlns="" w="9525">
+                <a14:hiddenLine xmlns="" xmlns:a14="http://schemas.microsoft.com/office/drawing/2010/main" w="9525">
                   <a:solidFill>
                     <a:srgbClr val="000000"/>
                   </a:solidFill>
@@ -2448,7 +2458,7 @@
             </a:ln>
             <a:extLst>
               <a:ext uri="{91240B29-F687-4f45-9708-019B960494DF}">
-                <a14:hiddenLine xmlns:a14="http://schemas.microsoft.com/office/drawing/2010/main" xmlns="" w="9525">
+                <a14:hiddenLine xmlns="" xmlns:a14="http://schemas.microsoft.com/office/drawing/2010/main" w="9525">
                   <a:solidFill>
                     <a:srgbClr val="000000"/>
                   </a:solidFill>
@@ -2510,7 +2520,7 @@
             </a:ln>
             <a:extLst>
               <a:ext uri="{91240B29-F687-4f45-9708-019B960494DF}">
-                <a14:hiddenLine xmlns:a14="http://schemas.microsoft.com/office/drawing/2010/main" xmlns="" w="9525">
+                <a14:hiddenLine xmlns="" xmlns:a14="http://schemas.microsoft.com/office/drawing/2010/main" w="9525">
                   <a:solidFill>
                     <a:srgbClr val="000000"/>
                   </a:solidFill>
@@ -2572,7 +2582,7 @@
             </a:ln>
             <a:extLst>
               <a:ext uri="{91240B29-F687-4f45-9708-019B960494DF}">
-                <a14:hiddenLine xmlns:a14="http://schemas.microsoft.com/office/drawing/2010/main" xmlns="" w="9525">
+                <a14:hiddenLine xmlns="" xmlns:a14="http://schemas.microsoft.com/office/drawing/2010/main" w="9525">
                   <a:solidFill>
                     <a:srgbClr val="000000"/>
                   </a:solidFill>
@@ -2662,7 +2672,7 @@
             </a:ln>
             <a:extLst>
               <a:ext uri="{91240B29-F687-4f45-9708-019B960494DF}">
-                <a14:hiddenLine xmlns:a14="http://schemas.microsoft.com/office/drawing/2010/main" xmlns="" w="9525">
+                <a14:hiddenLine xmlns="" xmlns:a14="http://schemas.microsoft.com/office/drawing/2010/main" w="9525">
                   <a:solidFill>
                     <a:srgbClr val="000000"/>
                   </a:solidFill>
@@ -2730,7 +2740,7 @@
             </a:ln>
             <a:extLst>
               <a:ext uri="{91240B29-F687-4f45-9708-019B960494DF}">
-                <a14:hiddenLine xmlns:a14="http://schemas.microsoft.com/office/drawing/2010/main" xmlns="" w="9525">
+                <a14:hiddenLine xmlns="" xmlns:a14="http://schemas.microsoft.com/office/drawing/2010/main" w="9525">
                   <a:solidFill>
                     <a:srgbClr val="000000"/>
                   </a:solidFill>
@@ -2792,7 +2802,7 @@
             </a:ln>
             <a:extLst>
               <a:ext uri="{91240B29-F687-4f45-9708-019B960494DF}">
-                <a14:hiddenLine xmlns:a14="http://schemas.microsoft.com/office/drawing/2010/main" xmlns="" w="9525">
+                <a14:hiddenLine xmlns="" xmlns:a14="http://schemas.microsoft.com/office/drawing/2010/main" w="9525">
                   <a:solidFill>
                     <a:srgbClr val="000000"/>
                   </a:solidFill>
@@ -2882,7 +2892,7 @@
             </a:ln>
             <a:extLst>
               <a:ext uri="{91240B29-F687-4f45-9708-019B960494DF}">
-                <a14:hiddenLine xmlns:a14="http://schemas.microsoft.com/office/drawing/2010/main" xmlns="" w="9525">
+                <a14:hiddenLine xmlns="" xmlns:a14="http://schemas.microsoft.com/office/drawing/2010/main" w="9525">
                   <a:solidFill>
                     <a:srgbClr val="000000"/>
                   </a:solidFill>
@@ -2944,7 +2954,7 @@
             </a:ln>
             <a:extLst>
               <a:ext uri="{91240B29-F687-4f45-9708-019B960494DF}">
-                <a14:hiddenLine xmlns:a14="http://schemas.microsoft.com/office/drawing/2010/main" xmlns="" w="9525">
+                <a14:hiddenLine xmlns="" xmlns:a14="http://schemas.microsoft.com/office/drawing/2010/main" w="9525">
                   <a:solidFill>
                     <a:srgbClr val="000000"/>
                   </a:solidFill>
@@ -3034,7 +3044,7 @@
             </a:ln>
             <a:extLst>
               <a:ext uri="{91240B29-F687-4f45-9708-019B960494DF}">
-                <a14:hiddenLine xmlns:a14="http://schemas.microsoft.com/office/drawing/2010/main" xmlns="" w="9525">
+                <a14:hiddenLine xmlns="" xmlns:a14="http://schemas.microsoft.com/office/drawing/2010/main" w="9525">
                   <a:solidFill>
                     <a:srgbClr val="000000"/>
                   </a:solidFill>
@@ -3096,7 +3106,7 @@
             </a:ln>
             <a:extLst>
               <a:ext uri="{91240B29-F687-4f45-9708-019B960494DF}">
-                <a14:hiddenLine xmlns:a14="http://schemas.microsoft.com/office/drawing/2010/main" xmlns="" w="9525">
+                <a14:hiddenLine xmlns="" xmlns:a14="http://schemas.microsoft.com/office/drawing/2010/main" w="9525">
                   <a:solidFill>
                     <a:srgbClr val="000000"/>
                   </a:solidFill>
@@ -3186,7 +3196,7 @@
             </a:ln>
             <a:extLst>
               <a:ext uri="{91240B29-F687-4f45-9708-019B960494DF}">
-                <a14:hiddenLine xmlns:a14="http://schemas.microsoft.com/office/drawing/2010/main" xmlns="" w="9525">
+                <a14:hiddenLine xmlns="" xmlns:a14="http://schemas.microsoft.com/office/drawing/2010/main" w="9525">
                   <a:solidFill>
                     <a:srgbClr val="000000"/>
                   </a:solidFill>
@@ -3220,7 +3230,7 @@
             </a:ln>
             <a:extLst>
               <a:ext uri="{91240B29-F687-4f45-9708-019B960494DF}">
-                <a14:hiddenLine xmlns:a14="http://schemas.microsoft.com/office/drawing/2010/main" xmlns="" w="9525">
+                <a14:hiddenLine xmlns="" xmlns:a14="http://schemas.microsoft.com/office/drawing/2010/main" w="9525">
                   <a:solidFill>
                     <a:srgbClr val="000000"/>
                   </a:solidFill>
@@ -3285,7 +3295,7 @@
             </a:ln>
             <a:extLst>
               <a:ext uri="{91240B29-F687-4f45-9708-019B960494DF}">
-                <a14:hiddenLine xmlns:a14="http://schemas.microsoft.com/office/drawing/2010/main" xmlns="" w="9525">
+                <a14:hiddenLine xmlns="" xmlns:a14="http://schemas.microsoft.com/office/drawing/2010/main" w="9525">
                   <a:solidFill>
                     <a:srgbClr val="000000"/>
                   </a:solidFill>
@@ -3375,7 +3385,7 @@
             </a:ln>
             <a:extLst>
               <a:ext uri="{91240B29-F687-4f45-9708-019B960494DF}">
-                <a14:hiddenLine xmlns:a14="http://schemas.microsoft.com/office/drawing/2010/main" xmlns="" w="9525">
+                <a14:hiddenLine xmlns="" xmlns:a14="http://schemas.microsoft.com/office/drawing/2010/main" w="9525">
                   <a:solidFill>
                     <a:srgbClr val="000000"/>
                   </a:solidFill>
@@ -3437,7 +3447,7 @@
             </a:ln>
             <a:extLst>
               <a:ext uri="{91240B29-F687-4f45-9708-019B960494DF}">
-                <a14:hiddenLine xmlns:a14="http://schemas.microsoft.com/office/drawing/2010/main" xmlns="" w="9525">
+                <a14:hiddenLine xmlns="" xmlns:a14="http://schemas.microsoft.com/office/drawing/2010/main" w="9525">
                   <a:solidFill>
                     <a:srgbClr val="000000"/>
                   </a:solidFill>
@@ -3527,7 +3537,7 @@
             </a:ln>
             <a:extLst>
               <a:ext uri="{91240B29-F687-4f45-9708-019B960494DF}">
-                <a14:hiddenLine xmlns:a14="http://schemas.microsoft.com/office/drawing/2010/main" xmlns="" w="9525">
+                <a14:hiddenLine xmlns="" xmlns:a14="http://schemas.microsoft.com/office/drawing/2010/main" w="9525">
                   <a:solidFill>
                     <a:srgbClr val="000000"/>
                   </a:solidFill>
@@ -3617,7 +3627,7 @@
             </a:ln>
             <a:extLst>
               <a:ext uri="{91240B29-F687-4f45-9708-019B960494DF}">
-                <a14:hiddenLine xmlns:a14="http://schemas.microsoft.com/office/drawing/2010/main" xmlns="" w="9525">
+                <a14:hiddenLine xmlns="" xmlns:a14="http://schemas.microsoft.com/office/drawing/2010/main" w="9525">
                   <a:solidFill>
                     <a:srgbClr val="000000"/>
                   </a:solidFill>
@@ -3682,7 +3692,7 @@
             </a:ln>
             <a:extLst>
               <a:ext uri="{91240B29-F687-4f45-9708-019B960494DF}">
-                <a14:hiddenLine xmlns:a14="http://schemas.microsoft.com/office/drawing/2010/main" xmlns="" w="9525">
+                <a14:hiddenLine xmlns="" xmlns:a14="http://schemas.microsoft.com/office/drawing/2010/main" w="9525">
                   <a:solidFill>
                     <a:srgbClr val="000000"/>
                   </a:solidFill>
@@ -3744,7 +3754,7 @@
             </a:ln>
             <a:extLst>
               <a:ext uri="{91240B29-F687-4f45-9708-019B960494DF}">
-                <a14:hiddenLine xmlns:a14="http://schemas.microsoft.com/office/drawing/2010/main" xmlns="" w="9525">
+                <a14:hiddenLine xmlns="" xmlns:a14="http://schemas.microsoft.com/office/drawing/2010/main" w="9525">
                   <a:solidFill>
                     <a:srgbClr val="000000"/>
                   </a:solidFill>
@@ -3834,7 +3844,7 @@
             </a:ln>
             <a:extLst>
               <a:ext uri="{91240B29-F687-4f45-9708-019B960494DF}">
-                <a14:hiddenLine xmlns:a14="http://schemas.microsoft.com/office/drawing/2010/main" xmlns="" w="9525">
+                <a14:hiddenLine xmlns="" xmlns:a14="http://schemas.microsoft.com/office/drawing/2010/main" w="9525">
                   <a:solidFill>
                     <a:srgbClr val="000000"/>
                   </a:solidFill>
@@ -3924,7 +3934,7 @@
             </a:ln>
             <a:extLst>
               <a:ext uri="{91240B29-F687-4f45-9708-019B960494DF}">
-                <a14:hiddenLine xmlns:a14="http://schemas.microsoft.com/office/drawing/2010/main" xmlns="" w="9525">
+                <a14:hiddenLine xmlns="" xmlns:a14="http://schemas.microsoft.com/office/drawing/2010/main" w="9525">
                   <a:solidFill>
                     <a:srgbClr val="000000"/>
                   </a:solidFill>
@@ -3986,7 +3996,7 @@
             </a:ln>
             <a:extLst>
               <a:ext uri="{91240B29-F687-4f45-9708-019B960494DF}">
-                <a14:hiddenLine xmlns:a14="http://schemas.microsoft.com/office/drawing/2010/main" xmlns="" w="9525">
+                <a14:hiddenLine xmlns="" xmlns:a14="http://schemas.microsoft.com/office/drawing/2010/main" w="9525">
                   <a:solidFill>
                     <a:srgbClr val="000000"/>
                   </a:solidFill>
@@ -4106,7 +4116,7 @@
             </a:ln>
             <a:extLst>
               <a:ext uri="{91240B29-F687-4f45-9708-019B960494DF}">
-                <a14:hiddenLine xmlns:a14="http://schemas.microsoft.com/office/drawing/2010/main" xmlns="" w="9525">
+                <a14:hiddenLine xmlns="" xmlns:a14="http://schemas.microsoft.com/office/drawing/2010/main" w="9525">
                   <a:solidFill>
                     <a:srgbClr val="000000"/>
                   </a:solidFill>
@@ -4174,7 +4184,7 @@
             </a:ln>
             <a:extLst>
               <a:ext uri="{91240B29-F687-4f45-9708-019B960494DF}">
-                <a14:hiddenLine xmlns:a14="http://schemas.microsoft.com/office/drawing/2010/main" xmlns="" w="9525">
+                <a14:hiddenLine xmlns="" xmlns:a14="http://schemas.microsoft.com/office/drawing/2010/main" w="9525">
                   <a:solidFill>
                     <a:srgbClr val="000000"/>
                   </a:solidFill>
@@ -4264,7 +4274,7 @@
             </a:ln>
             <a:extLst>
               <a:ext uri="{91240B29-F687-4f45-9708-019B960494DF}">
-                <a14:hiddenLine xmlns:a14="http://schemas.microsoft.com/office/drawing/2010/main" xmlns="" w="9525">
+                <a14:hiddenLine xmlns="" xmlns:a14="http://schemas.microsoft.com/office/drawing/2010/main" w="9525">
                   <a:solidFill>
                     <a:srgbClr val="000000"/>
                   </a:solidFill>
@@ -4404,7 +4414,7 @@
           <a:p>
             <a:fld id="{6E37D865-3556-4CE5-B574-A35DADBAEBFC}" type="datetimeFigureOut">
               <a:rPr lang="pl-PL" smtClean="0"/>
-              <a:t>07.01.2026</a:t>
+              <a:t>08.01.2026</a:t>
             </a:fld>
             <a:endParaRPr lang="pl-PL"/>
           </a:p>
@@ -4671,7 +4681,7 @@
           <a:p>
             <a:fld id="{6E37D865-3556-4CE5-B574-A35DADBAEBFC}" type="datetimeFigureOut">
               <a:rPr lang="pl-PL" smtClean="0"/>
-              <a:t>07.01.2026</a:t>
+              <a:t>08.01.2026</a:t>
             </a:fld>
             <a:endParaRPr lang="pl-PL"/>
           </a:p>
@@ -4867,7 +4877,7 @@
           <a:p>
             <a:fld id="{6E37D865-3556-4CE5-B574-A35DADBAEBFC}" type="datetimeFigureOut">
               <a:rPr lang="pl-PL" smtClean="0"/>
-              <a:t>07.01.2026</a:t>
+              <a:t>08.01.2026</a:t>
             </a:fld>
             <a:endParaRPr lang="pl-PL"/>
           </a:p>
@@ -5130,7 +5140,7 @@
           <a:p>
             <a:fld id="{6E37D865-3556-4CE5-B574-A35DADBAEBFC}" type="datetimeFigureOut">
               <a:rPr lang="pl-PL" smtClean="0"/>
-              <a:t>07.01.2026</a:t>
+              <a:t>08.01.2026</a:t>
             </a:fld>
             <a:endParaRPr lang="pl-PL"/>
           </a:p>
@@ -5564,7 +5574,7 @@
           <a:p>
             <a:fld id="{6E37D865-3556-4CE5-B574-A35DADBAEBFC}" type="datetimeFigureOut">
               <a:rPr lang="pl-PL" smtClean="0"/>
-              <a:t>07.01.2026</a:t>
+              <a:t>08.01.2026</a:t>
             </a:fld>
             <a:endParaRPr lang="pl-PL"/>
           </a:p>
@@ -6110,7 +6120,7 @@
           <a:p>
             <a:fld id="{6E37D865-3556-4CE5-B574-A35DADBAEBFC}" type="datetimeFigureOut">
               <a:rPr lang="pl-PL" smtClean="0"/>
-              <a:t>07.01.2026</a:t>
+              <a:t>08.01.2026</a:t>
             </a:fld>
             <a:endParaRPr lang="pl-PL"/>
           </a:p>
@@ -6830,7 +6840,7 @@
           <a:p>
             <a:fld id="{6E37D865-3556-4CE5-B574-A35DADBAEBFC}" type="datetimeFigureOut">
               <a:rPr lang="pl-PL" smtClean="0"/>
-              <a:t>07.01.2026</a:t>
+              <a:t>08.01.2026</a:t>
             </a:fld>
             <a:endParaRPr lang="pl-PL"/>
           </a:p>
@@ -7000,7 +7010,7 @@
           <a:p>
             <a:fld id="{6E37D865-3556-4CE5-B574-A35DADBAEBFC}" type="datetimeFigureOut">
               <a:rPr lang="pl-PL" smtClean="0"/>
-              <a:t>07.01.2026</a:t>
+              <a:t>08.01.2026</a:t>
             </a:fld>
             <a:endParaRPr lang="pl-PL"/>
           </a:p>
@@ -7180,7 +7190,7 @@
           <a:p>
             <a:fld id="{6E37D865-3556-4CE5-B574-A35DADBAEBFC}" type="datetimeFigureOut">
               <a:rPr lang="pl-PL" smtClean="0"/>
-              <a:t>07.01.2026</a:t>
+              <a:t>08.01.2026</a:t>
             </a:fld>
             <a:endParaRPr lang="pl-PL"/>
           </a:p>
@@ -7350,7 +7360,7 @@
           <a:p>
             <a:fld id="{6E37D865-3556-4CE5-B574-A35DADBAEBFC}" type="datetimeFigureOut">
               <a:rPr lang="pl-PL" smtClean="0"/>
-              <a:t>07.01.2026</a:t>
+              <a:t>08.01.2026</a:t>
             </a:fld>
             <a:endParaRPr lang="pl-PL"/>
           </a:p>
@@ -7600,7 +7610,7 @@
           <a:p>
             <a:fld id="{6E37D865-3556-4CE5-B574-A35DADBAEBFC}" type="datetimeFigureOut">
               <a:rPr lang="pl-PL" smtClean="0"/>
-              <a:t>07.01.2026</a:t>
+              <a:t>08.01.2026</a:t>
             </a:fld>
             <a:endParaRPr lang="pl-PL"/>
           </a:p>
@@ -7832,7 +7842,7 @@
           <a:p>
             <a:fld id="{6E37D865-3556-4CE5-B574-A35DADBAEBFC}" type="datetimeFigureOut">
               <a:rPr lang="pl-PL" smtClean="0"/>
-              <a:t>07.01.2026</a:t>
+              <a:t>08.01.2026</a:t>
             </a:fld>
             <a:endParaRPr lang="pl-PL"/>
           </a:p>
@@ -8213,7 +8223,7 @@
           <a:p>
             <a:fld id="{6E37D865-3556-4CE5-B574-A35DADBAEBFC}" type="datetimeFigureOut">
               <a:rPr lang="pl-PL" smtClean="0"/>
-              <a:t>07.01.2026</a:t>
+              <a:t>08.01.2026</a:t>
             </a:fld>
             <a:endParaRPr lang="pl-PL"/>
           </a:p>
@@ -8331,7 +8341,7 @@
           <a:p>
             <a:fld id="{6E37D865-3556-4CE5-B574-A35DADBAEBFC}" type="datetimeFigureOut">
               <a:rPr lang="pl-PL" smtClean="0"/>
-              <a:t>07.01.2026</a:t>
+              <a:t>08.01.2026</a:t>
             </a:fld>
             <a:endParaRPr lang="pl-PL"/>
           </a:p>
@@ -8426,7 +8436,7 @@
           <a:p>
             <a:fld id="{6E37D865-3556-4CE5-B574-A35DADBAEBFC}" type="datetimeFigureOut">
               <a:rPr lang="pl-PL" smtClean="0"/>
-              <a:t>07.01.2026</a:t>
+              <a:t>08.01.2026</a:t>
             </a:fld>
             <a:endParaRPr lang="pl-PL"/>
           </a:p>
@@ -8675,7 +8685,7 @@
           <a:p>
             <a:fld id="{6E37D865-3556-4CE5-B574-A35DADBAEBFC}" type="datetimeFigureOut">
               <a:rPr lang="pl-PL" smtClean="0"/>
-              <a:t>07.01.2026</a:t>
+              <a:t>08.01.2026</a:t>
             </a:fld>
             <a:endParaRPr lang="pl-PL"/>
           </a:p>
@@ -8955,7 +8965,7 @@
           <a:p>
             <a:fld id="{6E37D865-3556-4CE5-B574-A35DADBAEBFC}" type="datetimeFigureOut">
               <a:rPr lang="pl-PL" smtClean="0"/>
-              <a:t>07.01.2026</a:t>
+              <a:t>08.01.2026</a:t>
             </a:fld>
             <a:endParaRPr lang="pl-PL"/>
           </a:p>
@@ -9078,7 +9088,7 @@
           <a:noFill/>
           <a:extLst>
             <a:ext uri="{909E8E84-426E-40dd-AFC4-6F175D3DCCD1}">
-              <a14:hiddenFill xmlns:a14="http://schemas.microsoft.com/office/drawing/2010/main" xmlns="">
+              <a14:hiddenFill xmlns="" xmlns:a14="http://schemas.microsoft.com/office/drawing/2010/main">
                 <a:solidFill>
                   <a:srgbClr val="FFFFFF"/>
                 </a:solidFill>
@@ -9152,7 +9162,7 @@
               </a:ln>
               <a:extLst>
                 <a:ext uri="{91240B29-F687-4f45-9708-019B960494DF}">
-                  <a14:hiddenLine xmlns:a14="http://schemas.microsoft.com/office/drawing/2010/main" xmlns="" w="9525">
+                  <a14:hiddenLine xmlns="" xmlns:a14="http://schemas.microsoft.com/office/drawing/2010/main" w="9525">
                     <a:solidFill>
                       <a:srgbClr val="000000"/>
                     </a:solidFill>
@@ -9242,7 +9252,7 @@
               </a:ln>
               <a:extLst>
                 <a:ext uri="{91240B29-F687-4f45-9708-019B960494DF}">
-                  <a14:hiddenLine xmlns:a14="http://schemas.microsoft.com/office/drawing/2010/main" xmlns="" w="9525">
+                  <a14:hiddenLine xmlns="" xmlns:a14="http://schemas.microsoft.com/office/drawing/2010/main" w="9525">
                     <a:solidFill>
                       <a:srgbClr val="000000"/>
                     </a:solidFill>
@@ -9332,7 +9342,7 @@
               </a:ln>
               <a:extLst>
                 <a:ext uri="{91240B29-F687-4f45-9708-019B960494DF}">
-                  <a14:hiddenLine xmlns:a14="http://schemas.microsoft.com/office/drawing/2010/main" xmlns="" w="9525">
+                  <a14:hiddenLine xmlns="" xmlns:a14="http://schemas.microsoft.com/office/drawing/2010/main" w="9525">
                     <a:solidFill>
                       <a:srgbClr val="000000"/>
                     </a:solidFill>
@@ -9394,7 +9404,7 @@
               </a:ln>
               <a:extLst>
                 <a:ext uri="{91240B29-F687-4f45-9708-019B960494DF}">
-                  <a14:hiddenLine xmlns:a14="http://schemas.microsoft.com/office/drawing/2010/main" xmlns="" w="9525">
+                  <a14:hiddenLine xmlns="" xmlns:a14="http://schemas.microsoft.com/office/drawing/2010/main" w="9525">
                     <a:solidFill>
                       <a:srgbClr val="000000"/>
                     </a:solidFill>
@@ -9484,7 +9494,7 @@
               </a:ln>
               <a:extLst>
                 <a:ext uri="{91240B29-F687-4f45-9708-019B960494DF}">
-                  <a14:hiddenLine xmlns:a14="http://schemas.microsoft.com/office/drawing/2010/main" xmlns="" w="9525">
+                  <a14:hiddenLine xmlns="" xmlns:a14="http://schemas.microsoft.com/office/drawing/2010/main" w="9525">
                     <a:solidFill>
                       <a:srgbClr val="000000"/>
                     </a:solidFill>
@@ -9546,7 +9556,7 @@
               </a:ln>
               <a:extLst>
                 <a:ext uri="{91240B29-F687-4f45-9708-019B960494DF}">
-                  <a14:hiddenLine xmlns:a14="http://schemas.microsoft.com/office/drawing/2010/main" xmlns="" w="9525">
+                  <a14:hiddenLine xmlns="" xmlns:a14="http://schemas.microsoft.com/office/drawing/2010/main" w="9525">
                     <a:solidFill>
                       <a:srgbClr val="000000"/>
                     </a:solidFill>
@@ -9608,7 +9618,7 @@
               </a:ln>
               <a:extLst>
                 <a:ext uri="{91240B29-F687-4f45-9708-019B960494DF}">
-                  <a14:hiddenLine xmlns:a14="http://schemas.microsoft.com/office/drawing/2010/main" xmlns="" w="9525">
+                  <a14:hiddenLine xmlns="" xmlns:a14="http://schemas.microsoft.com/office/drawing/2010/main" w="9525">
                     <a:solidFill>
                       <a:srgbClr val="000000"/>
                     </a:solidFill>
@@ -9698,7 +9708,7 @@
               </a:ln>
               <a:extLst>
                 <a:ext uri="{91240B29-F687-4f45-9708-019B960494DF}">
-                  <a14:hiddenLine xmlns:a14="http://schemas.microsoft.com/office/drawing/2010/main" xmlns="" w="9525">
+                  <a14:hiddenLine xmlns="" xmlns:a14="http://schemas.microsoft.com/office/drawing/2010/main" w="9525">
                     <a:solidFill>
                       <a:srgbClr val="000000"/>
                     </a:solidFill>
@@ -9788,7 +9798,7 @@
               </a:ln>
               <a:extLst>
                 <a:ext uri="{91240B29-F687-4f45-9708-019B960494DF}">
-                  <a14:hiddenLine xmlns:a14="http://schemas.microsoft.com/office/drawing/2010/main" xmlns="" w="9525">
+                  <a14:hiddenLine xmlns="" xmlns:a14="http://schemas.microsoft.com/office/drawing/2010/main" w="9525">
                     <a:solidFill>
                       <a:srgbClr val="000000"/>
                     </a:solidFill>
@@ -9850,7 +9860,7 @@
               </a:ln>
               <a:extLst>
                 <a:ext uri="{91240B29-F687-4f45-9708-019B960494DF}">
-                  <a14:hiddenLine xmlns:a14="http://schemas.microsoft.com/office/drawing/2010/main" xmlns="" w="9525">
+                  <a14:hiddenLine xmlns="" xmlns:a14="http://schemas.microsoft.com/office/drawing/2010/main" w="9525">
                     <a:solidFill>
                       <a:srgbClr val="000000"/>
                     </a:solidFill>
@@ -9960,7 +9970,7 @@
               </a:ln>
               <a:extLst>
                 <a:ext uri="{91240B29-F687-4f45-9708-019B960494DF}">
-                  <a14:hiddenLine xmlns:a14="http://schemas.microsoft.com/office/drawing/2010/main" xmlns="" w="9525">
+                  <a14:hiddenLine xmlns="" xmlns:a14="http://schemas.microsoft.com/office/drawing/2010/main" w="9525">
                     <a:solidFill>
                       <a:srgbClr val="000000"/>
                     </a:solidFill>
@@ -10044,7 +10054,7 @@
               </a:ln>
               <a:extLst>
                 <a:ext uri="{91240B29-F687-4f45-9708-019B960494DF}">
-                  <a14:hiddenLine xmlns:a14="http://schemas.microsoft.com/office/drawing/2010/main" xmlns="" w="9525">
+                  <a14:hiddenLine xmlns="" xmlns:a14="http://schemas.microsoft.com/office/drawing/2010/main" w="9525">
                     <a:solidFill>
                       <a:srgbClr val="000000"/>
                     </a:solidFill>
@@ -10106,7 +10116,7 @@
               </a:ln>
               <a:extLst>
                 <a:ext uri="{91240B29-F687-4f45-9708-019B960494DF}">
-                  <a14:hiddenLine xmlns:a14="http://schemas.microsoft.com/office/drawing/2010/main" xmlns="" w="9525">
+                  <a14:hiddenLine xmlns="" xmlns:a14="http://schemas.microsoft.com/office/drawing/2010/main" w="9525">
                     <a:solidFill>
                       <a:srgbClr val="000000"/>
                     </a:solidFill>
@@ -10168,7 +10178,7 @@
               </a:ln>
               <a:extLst>
                 <a:ext uri="{91240B29-F687-4f45-9708-019B960494DF}">
-                  <a14:hiddenLine xmlns:a14="http://schemas.microsoft.com/office/drawing/2010/main" xmlns="" w="9525">
+                  <a14:hiddenLine xmlns="" xmlns:a14="http://schemas.microsoft.com/office/drawing/2010/main" w="9525">
                     <a:solidFill>
                       <a:srgbClr val="000000"/>
                     </a:solidFill>
@@ -10258,7 +10268,7 @@
               </a:ln>
               <a:extLst>
                 <a:ext uri="{91240B29-F687-4f45-9708-019B960494DF}">
-                  <a14:hiddenLine xmlns:a14="http://schemas.microsoft.com/office/drawing/2010/main" xmlns="" w="9525">
+                  <a14:hiddenLine xmlns="" xmlns:a14="http://schemas.microsoft.com/office/drawing/2010/main" w="9525">
                     <a:solidFill>
                       <a:srgbClr val="000000"/>
                     </a:solidFill>
@@ -10292,7 +10302,7 @@
               </a:ln>
               <a:extLst>
                 <a:ext uri="{91240B29-F687-4f45-9708-019B960494DF}">
-                  <a14:hiddenLine xmlns:a14="http://schemas.microsoft.com/office/drawing/2010/main" xmlns="" w="9525">
+                  <a14:hiddenLine xmlns="" xmlns:a14="http://schemas.microsoft.com/office/drawing/2010/main" w="9525">
                     <a:solidFill>
                       <a:srgbClr val="000000"/>
                     </a:solidFill>
@@ -10357,7 +10367,7 @@
               </a:ln>
               <a:extLst>
                 <a:ext uri="{91240B29-F687-4f45-9708-019B960494DF}">
-                  <a14:hiddenLine xmlns:a14="http://schemas.microsoft.com/office/drawing/2010/main" xmlns="" w="9525">
+                  <a14:hiddenLine xmlns="" xmlns:a14="http://schemas.microsoft.com/office/drawing/2010/main" w="9525">
                     <a:solidFill>
                       <a:srgbClr val="000000"/>
                     </a:solidFill>
@@ -10447,7 +10457,7 @@
               </a:ln>
               <a:extLst>
                 <a:ext uri="{91240B29-F687-4f45-9708-019B960494DF}">
-                  <a14:hiddenLine xmlns:a14="http://schemas.microsoft.com/office/drawing/2010/main" xmlns="" w="9525">
+                  <a14:hiddenLine xmlns="" xmlns:a14="http://schemas.microsoft.com/office/drawing/2010/main" w="9525">
                     <a:solidFill>
                       <a:srgbClr val="000000"/>
                     </a:solidFill>
@@ -10509,7 +10519,7 @@
               </a:ln>
               <a:extLst>
                 <a:ext uri="{91240B29-F687-4f45-9708-019B960494DF}">
-                  <a14:hiddenLine xmlns:a14="http://schemas.microsoft.com/office/drawing/2010/main" xmlns="" w="9525">
+                  <a14:hiddenLine xmlns="" xmlns:a14="http://schemas.microsoft.com/office/drawing/2010/main" w="9525">
                     <a:solidFill>
                       <a:srgbClr val="000000"/>
                     </a:solidFill>
@@ -10599,7 +10609,7 @@
               </a:ln>
               <a:extLst>
                 <a:ext uri="{91240B29-F687-4f45-9708-019B960494DF}">
-                  <a14:hiddenLine xmlns:a14="http://schemas.microsoft.com/office/drawing/2010/main" xmlns="" w="9525">
+                  <a14:hiddenLine xmlns="" xmlns:a14="http://schemas.microsoft.com/office/drawing/2010/main" w="9525">
                     <a:solidFill>
                       <a:srgbClr val="000000"/>
                     </a:solidFill>
@@ -10664,7 +10674,7 @@
               </a:ln>
               <a:extLst>
                 <a:ext uri="{91240B29-F687-4f45-9708-019B960494DF}">
-                  <a14:hiddenLine xmlns:a14="http://schemas.microsoft.com/office/drawing/2010/main" xmlns="" w="9525">
+                  <a14:hiddenLine xmlns="" xmlns:a14="http://schemas.microsoft.com/office/drawing/2010/main" w="9525">
                     <a:solidFill>
                       <a:srgbClr val="000000"/>
                     </a:solidFill>
@@ -10726,7 +10736,7 @@
               </a:ln>
               <a:extLst>
                 <a:ext uri="{91240B29-F687-4f45-9708-019B960494DF}">
-                  <a14:hiddenLine xmlns:a14="http://schemas.microsoft.com/office/drawing/2010/main" xmlns="" w="9525">
+                  <a14:hiddenLine xmlns="" xmlns:a14="http://schemas.microsoft.com/office/drawing/2010/main" w="9525">
                     <a:solidFill>
                       <a:srgbClr val="000000"/>
                     </a:solidFill>
@@ -10816,7 +10826,7 @@
               </a:ln>
               <a:extLst>
                 <a:ext uri="{91240B29-F687-4f45-9708-019B960494DF}">
-                  <a14:hiddenLine xmlns:a14="http://schemas.microsoft.com/office/drawing/2010/main" xmlns="" w="9525">
+                  <a14:hiddenLine xmlns="" xmlns:a14="http://schemas.microsoft.com/office/drawing/2010/main" w="9525">
                     <a:solidFill>
                       <a:srgbClr val="000000"/>
                     </a:solidFill>
@@ -10906,7 +10916,7 @@
               </a:ln>
               <a:extLst>
                 <a:ext uri="{91240B29-F687-4f45-9708-019B960494DF}">
-                  <a14:hiddenLine xmlns:a14="http://schemas.microsoft.com/office/drawing/2010/main" xmlns="" w="9525">
+                  <a14:hiddenLine xmlns="" xmlns:a14="http://schemas.microsoft.com/office/drawing/2010/main" w="9525">
                     <a:solidFill>
                       <a:srgbClr val="000000"/>
                     </a:solidFill>
@@ -10971,7 +10981,7 @@
               </a:ln>
               <a:extLst>
                 <a:ext uri="{91240B29-F687-4f45-9708-019B960494DF}">
-                  <a14:hiddenLine xmlns:a14="http://schemas.microsoft.com/office/drawing/2010/main" xmlns="" w="9525">
+                  <a14:hiddenLine xmlns="" xmlns:a14="http://schemas.microsoft.com/office/drawing/2010/main" w="9525">
                     <a:solidFill>
                       <a:srgbClr val="000000"/>
                     </a:solidFill>
@@ -11091,7 +11101,7 @@
               </a:ln>
               <a:extLst>
                 <a:ext uri="{91240B29-F687-4f45-9708-019B960494DF}">
-                  <a14:hiddenLine xmlns:a14="http://schemas.microsoft.com/office/drawing/2010/main" xmlns="" w="9525">
+                  <a14:hiddenLine xmlns="" xmlns:a14="http://schemas.microsoft.com/office/drawing/2010/main" w="9525">
                     <a:solidFill>
                       <a:srgbClr val="000000"/>
                     </a:solidFill>
@@ -11172,7 +11182,7 @@
               </a:ln>
               <a:extLst>
                 <a:ext uri="{91240B29-F687-4f45-9708-019B960494DF}">
-                  <a14:hiddenLine xmlns:a14="http://schemas.microsoft.com/office/drawing/2010/main" xmlns="" w="9525">
+                  <a14:hiddenLine xmlns="" xmlns:a14="http://schemas.microsoft.com/office/drawing/2010/main" w="9525">
                     <a:solidFill>
                       <a:srgbClr val="000000"/>
                     </a:solidFill>
@@ -11287,7 +11297,7 @@
               </a:ln>
               <a:extLst>
                 <a:ext uri="{91240B29-F687-4f45-9708-019B960494DF}">
-                  <a14:hiddenLine xmlns:a14="http://schemas.microsoft.com/office/drawing/2010/main" xmlns="" w="9525">
+                  <a14:hiddenLine xmlns="" xmlns:a14="http://schemas.microsoft.com/office/drawing/2010/main" w="9525">
                     <a:solidFill>
                       <a:srgbClr val="000000"/>
                     </a:solidFill>
@@ -11377,7 +11387,7 @@
               </a:ln>
               <a:extLst>
                 <a:ext uri="{91240B29-F687-4f45-9708-019B960494DF}">
-                  <a14:hiddenLine xmlns:a14="http://schemas.microsoft.com/office/drawing/2010/main" xmlns="" w="9525">
+                  <a14:hiddenLine xmlns="" xmlns:a14="http://schemas.microsoft.com/office/drawing/2010/main" w="9525">
                     <a:solidFill>
                       <a:srgbClr val="000000"/>
                     </a:solidFill>
@@ -11442,7 +11452,7 @@
               </a:ln>
               <a:extLst>
                 <a:ext uri="{91240B29-F687-4f45-9708-019B960494DF}">
-                  <a14:hiddenLine xmlns:a14="http://schemas.microsoft.com/office/drawing/2010/main" xmlns="" w="9525">
+                  <a14:hiddenLine xmlns="" xmlns:a14="http://schemas.microsoft.com/office/drawing/2010/main" w="9525">
                     <a:solidFill>
                       <a:srgbClr val="000000"/>
                     </a:solidFill>
@@ -11532,7 +11542,7 @@
               </a:ln>
               <a:extLst>
                 <a:ext uri="{91240B29-F687-4f45-9708-019B960494DF}">
-                  <a14:hiddenLine xmlns:a14="http://schemas.microsoft.com/office/drawing/2010/main" xmlns="" w="9525">
+                  <a14:hiddenLine xmlns="" xmlns:a14="http://schemas.microsoft.com/office/drawing/2010/main" w="9525">
                     <a:solidFill>
                       <a:srgbClr val="000000"/>
                     </a:solidFill>
@@ -11600,7 +11610,7 @@
               </a:ln>
               <a:extLst>
                 <a:ext uri="{91240B29-F687-4f45-9708-019B960494DF}">
-                  <a14:hiddenLine xmlns:a14="http://schemas.microsoft.com/office/drawing/2010/main" xmlns="" w="9525">
+                  <a14:hiddenLine xmlns="" xmlns:a14="http://schemas.microsoft.com/office/drawing/2010/main" w="9525">
                     <a:solidFill>
                       <a:srgbClr val="000000"/>
                     </a:solidFill>
@@ -11690,7 +11700,7 @@
               </a:ln>
               <a:extLst>
                 <a:ext uri="{91240B29-F687-4f45-9708-019B960494DF}">
-                  <a14:hiddenLine xmlns:a14="http://schemas.microsoft.com/office/drawing/2010/main" xmlns="" w="9525">
+                  <a14:hiddenLine xmlns="" xmlns:a14="http://schemas.microsoft.com/office/drawing/2010/main" w="9525">
                     <a:solidFill>
                       <a:srgbClr val="000000"/>
                     </a:solidFill>
@@ -11758,7 +11768,7 @@
               </a:ln>
               <a:extLst>
                 <a:ext uri="{91240B29-F687-4f45-9708-019B960494DF}">
-                  <a14:hiddenLine xmlns:a14="http://schemas.microsoft.com/office/drawing/2010/main" xmlns="" w="9525">
+                  <a14:hiddenLine xmlns="" xmlns:a14="http://schemas.microsoft.com/office/drawing/2010/main" w="9525">
                     <a:solidFill>
                       <a:srgbClr val="000000"/>
                     </a:solidFill>
@@ -11848,7 +11858,7 @@
               </a:ln>
               <a:extLst>
                 <a:ext uri="{91240B29-F687-4f45-9708-019B960494DF}">
-                  <a14:hiddenLine xmlns:a14="http://schemas.microsoft.com/office/drawing/2010/main" xmlns="" w="9525">
+                  <a14:hiddenLine xmlns="" xmlns:a14="http://schemas.microsoft.com/office/drawing/2010/main" w="9525">
                     <a:solidFill>
                       <a:srgbClr val="000000"/>
                     </a:solidFill>
@@ -11882,7 +11892,7 @@
               </a:ln>
               <a:extLst>
                 <a:ext uri="{91240B29-F687-4f45-9708-019B960494DF}">
-                  <a14:hiddenLine xmlns:a14="http://schemas.microsoft.com/office/drawing/2010/main" xmlns="" w="9525">
+                  <a14:hiddenLine xmlns="" xmlns:a14="http://schemas.microsoft.com/office/drawing/2010/main" w="9525">
                     <a:solidFill>
                       <a:srgbClr val="000000"/>
                     </a:solidFill>
@@ -12022,7 +12032,7 @@
           <a:p>
             <a:fld id="{6E37D865-3556-4CE5-B574-A35DADBAEBFC}" type="datetimeFigureOut">
               <a:rPr lang="pl-PL" smtClean="0"/>
-              <a:t>07.01.2026</a:t>
+              <a:t>08.01.2026</a:t>
             </a:fld>
             <a:endParaRPr lang="pl-PL"/>
           </a:p>
@@ -12458,7 +12468,12 @@
             <p:ph type="ctrTitle"/>
           </p:nvPr>
         </p:nvSpPr>
-        <p:spPr/>
+        <p:spPr>
+          <a:xfrm>
+            <a:off x="1876424" y="868362"/>
+            <a:ext cx="8791575" cy="2387600"/>
+          </a:xfrm>
+        </p:spPr>
         <p:txBody>
           <a:bodyPr>
             <a:normAutofit fontScale="90000"/>
@@ -12467,7 +12482,7 @@
           <a:p>
             <a:r>
               <a:rPr lang="pl-PL" b="1" dirty="0"/>
-              <a:t>Lokalizacja punktu w przestrzeni dwuwymiarowej, Metoda Separatorów (Chain Method)</a:t>
+              <a:t>Lokalizacja punktu w przestrzeni dwuwymiarowej, Metoda Separatorów</a:t>
             </a:r>
             <a:endParaRPr lang="pl-PL" dirty="0"/>
           </a:p>
@@ -12589,8 +12604,38 @@
         </p:blipFill>
         <p:spPr>
           <a:xfrm>
-            <a:off x="2714903" y="2249025"/>
-            <a:ext cx="6759018" cy="3759615"/>
+            <a:off x="650440" y="2097088"/>
+            <a:ext cx="5373287" cy="3565692"/>
+          </a:xfrm>
+          <a:prstGeom prst="rect">
+            <a:avLst/>
+          </a:prstGeom>
+        </p:spPr>
+      </p:pic>
+      <p:pic>
+        <p:nvPicPr>
+          <p:cNvPr id="4" name="Obraz 3" descr="Obraz zawierający linia, diagram, Wykres, Równolegle&#10;&#10;Zawartość wygenerowana przez AI może być niepoprawna.">
+            <a:extLst>
+              <a:ext uri="{FF2B5EF4-FFF2-40B4-BE49-F238E27FC236}">
+                <a16:creationId xmlns:a16="http://schemas.microsoft.com/office/drawing/2014/main" id="{BC1137FE-7E72-1021-B874-FBECF5EA4299}"/>
+              </a:ext>
+            </a:extLst>
+          </p:cNvPr>
+          <p:cNvPicPr>
+            <a:picLocks noChangeAspect="1"/>
+          </p:cNvPicPr>
+          <p:nvPr/>
+        </p:nvPicPr>
+        <p:blipFill>
+          <a:blip r:embed="rId3"/>
+          <a:stretch>
+            <a:fillRect/>
+          </a:stretch>
+        </p:blipFill>
+        <p:spPr>
+          <a:xfrm>
+            <a:off x="6284246" y="2094243"/>
+            <a:ext cx="4763165" cy="3562847"/>
           </a:xfrm>
           <a:prstGeom prst="rect">
             <a:avLst/>
@@ -12650,7 +12695,7 @@
           <a:p>
             <a:r>
               <a:rPr lang="pl-PL" dirty="0"/>
-              <a:t>Algorytm Zapytania – Przejście przez Drzewo</a:t>
+              <a:t>Algorytm Zapytania – Teoria</a:t>
             </a:r>
           </a:p>
         </p:txBody>
@@ -12747,20 +12792,9 @@
                   <a:schemeClr val="tx1"/>
                 </a:solidFill>
                 <a:effectLst/>
-                <a:latin typeface="Google Sans Text"/>
               </a:rPr>
               <a:t>Lokalizacja punktu p polega na zejściu w dół drzewa BST, począwszy od korzenia. W każdym węźle (reprezentującym separator) podejmowana jest decyzja binarna: czy punkt znajduje się na lewo, czy na prawo od tego łańcucha? Decyzja ta determinuje wybór kolejnego dziecka (lewego lub prawego) i zawęża obszar poszukiwań o połowę.</a:t>
             </a:r>
-            <a:endParaRPr kumimoji="0" lang="pl-PL" altLang="pl-PL" b="0" i="0" u="none" strike="noStrike" cap="none" normalizeH="0" baseline="0" dirty="0">
-              <a:ln>
-                <a:noFill/>
-              </a:ln>
-              <a:solidFill>
-                <a:schemeClr val="tx1"/>
-              </a:solidFill>
-              <a:effectLst/>
-              <a:latin typeface="Arial" panose="020B0604020202020204" pitchFamily="34" charset="0"/>
-            </a:endParaRPr>
           </a:p>
         </p:txBody>
       </p:sp>
@@ -12799,7 +12833,7 @@
           <p:cNvPr id="2" name="Tytuł 1">
             <a:extLst>
               <a:ext uri="{FF2B5EF4-FFF2-40B4-BE49-F238E27FC236}">
-                <a16:creationId xmlns:a16="http://schemas.microsoft.com/office/drawing/2014/main" id="{A5FFABE2-FA7E-B8F6-86F9-1437243ABBD7}"/>
+                <a16:creationId xmlns:a16="http://schemas.microsoft.com/office/drawing/2014/main" id="{461E86DE-2B5C-EEFE-C10E-39B04D517566}"/>
               </a:ext>
             </a:extLst>
           </p:cNvPr>
@@ -12815,6 +12849,14 @@
           <a:bodyPr/>
           <a:lstStyle/>
           <a:p>
+            <a:r>
+              <a:rPr lang="pl-PL" dirty="0"/>
+              <a:t>Algorytm Zapytania – </a:t>
+            </a:r>
+            <a:r>
+              <a:rPr lang="pl-PL" dirty="0" err="1"/>
+              <a:t>IMplementacja</a:t>
+            </a:r>
             <a:endParaRPr lang="pl-PL" dirty="0"/>
           </a:p>
         </p:txBody>
@@ -12824,7 +12866,7 @@
           <p:cNvPr id="3" name="Symbol zastępczy zawartości 2">
             <a:extLst>
               <a:ext uri="{FF2B5EF4-FFF2-40B4-BE49-F238E27FC236}">
-                <a16:creationId xmlns:a16="http://schemas.microsoft.com/office/drawing/2014/main" id="{CD63E3F8-9CBA-0366-1104-3A0C77C2B257}"/>
+                <a16:creationId xmlns:a16="http://schemas.microsoft.com/office/drawing/2014/main" id="{87C815C6-9F91-9ECE-B32D-E8A6BFA0F829}"/>
               </a:ext>
             </a:extLst>
           </p:cNvPr>
@@ -12835,19 +12877,62 @@
             <p:ph idx="1"/>
           </p:nvPr>
         </p:nvSpPr>
-        <p:spPr/>
+        <p:spPr>
+          <a:xfrm>
+            <a:off x="1141412" y="1976110"/>
+            <a:ext cx="6220921" cy="3541714"/>
+          </a:xfrm>
+        </p:spPr>
         <p:txBody>
-          <a:bodyPr/>
+          <a:bodyPr>
+            <a:noAutofit/>
+          </a:bodyPr>
           <a:lstStyle/>
           <a:p>
-            <a:endParaRPr lang="pl-PL" dirty="0"/>
+            <a:pPr marL="0" indent="0">
+              <a:buNone/>
+            </a:pPr>
+            <a:r>
+              <a:rPr lang="pl-PL" dirty="0"/>
+              <a:t>W każdym odwiedzanym węźle (separatorze) wykonywany jest test: "czy punkt p leży na lewo, czy na prawo od tego łańcucha?". Test ten realizowany jest dwuetapowo: najpierw za pomocą wyszukiwania binarnego znajdowany jest segment separatora o współrzędnych Y końców między którymi znajduje się punkt, a następnie obliczany jest iloczyn wektorowy w celu określenia relacji lewo/prawo na podstawie której algorytm schodzi w dół drzewa</a:t>
+            </a:r>
           </a:p>
         </p:txBody>
       </p:sp>
+      <p:pic>
+        <p:nvPicPr>
+          <p:cNvPr id="5" name="Obraz 4" descr="Obraz zawierający linia, diagram, tekst, Wykres&#10;&#10;Zawartość wygenerowana przez AI może być niepoprawna.">
+            <a:extLst>
+              <a:ext uri="{FF2B5EF4-FFF2-40B4-BE49-F238E27FC236}">
+                <a16:creationId xmlns:a16="http://schemas.microsoft.com/office/drawing/2014/main" id="{B264F892-1125-F190-F433-0ACD5DCAF61B}"/>
+              </a:ext>
+            </a:extLst>
+          </p:cNvPr>
+          <p:cNvPicPr>
+            <a:picLocks noChangeAspect="1"/>
+          </p:cNvPicPr>
+          <p:nvPr/>
+        </p:nvPicPr>
+        <p:blipFill>
+          <a:blip r:embed="rId2"/>
+          <a:stretch>
+            <a:fillRect/>
+          </a:stretch>
+        </p:blipFill>
+        <p:spPr>
+          <a:xfrm>
+            <a:off x="7650954" y="2097088"/>
+            <a:ext cx="3990346" cy="2986152"/>
+          </a:xfrm>
+          <a:prstGeom prst="rect">
+            <a:avLst/>
+          </a:prstGeom>
+        </p:spPr>
+      </p:pic>
     </p:spTree>
     <p:extLst>
       <p:ext uri="{BB962C8B-B14F-4D97-AF65-F5344CB8AC3E}">
-        <p14:creationId xmlns:p14="http://schemas.microsoft.com/office/powerpoint/2010/main" val="3921113959"/>
+        <p14:creationId xmlns:p14="http://schemas.microsoft.com/office/powerpoint/2010/main" val="1397811"/>
       </p:ext>
     </p:extLst>
   </p:cSld>
@@ -12879,7 +12964,7 @@
           <p:cNvPr id="2" name="Tytuł 1">
             <a:extLst>
               <a:ext uri="{FF2B5EF4-FFF2-40B4-BE49-F238E27FC236}">
-                <a16:creationId xmlns:a16="http://schemas.microsoft.com/office/drawing/2014/main" id="{461E86DE-2B5C-EEFE-C10E-39B04D517566}"/>
+                <a16:creationId xmlns:a16="http://schemas.microsoft.com/office/drawing/2014/main" id="{D6B5E947-2CFE-825C-0FD6-4F8A4CC15074}"/>
               </a:ext>
             </a:extLst>
           </p:cNvPr>
@@ -12897,55 +12982,116 @@
           <a:p>
             <a:r>
               <a:rPr lang="pl-PL" dirty="0"/>
-              <a:t>Algorytm Wyszukiwania Punktu</a:t>
+              <a:t>Konstrukcja Wyniku</a:t>
             </a:r>
           </a:p>
         </p:txBody>
       </p:sp>
       <p:sp>
         <p:nvSpPr>
-          <p:cNvPr id="3" name="Symbol zastępczy zawartości 2">
+          <p:cNvPr id="4" name="Rectangle 1">
             <a:extLst>
               <a:ext uri="{FF2B5EF4-FFF2-40B4-BE49-F238E27FC236}">
-                <a16:creationId xmlns:a16="http://schemas.microsoft.com/office/drawing/2014/main" id="{87C815C6-9F91-9ECE-B32D-E8A6BFA0F829}"/>
+                <a16:creationId xmlns:a16="http://schemas.microsoft.com/office/drawing/2014/main" id="{538FDE86-45F0-1698-F605-14EF1F73A6F3}"/>
               </a:ext>
             </a:extLst>
           </p:cNvPr>
           <p:cNvSpPr>
-            <a:spLocks noGrp="1"/>
+            <a:spLocks noGrp="1" noChangeArrowheads="1"/>
           </p:cNvSpPr>
           <p:nvPr>
             <p:ph idx="1"/>
           </p:nvPr>
         </p:nvSpPr>
-        <p:spPr>
+        <p:spPr bwMode="auto">
           <a:xfrm>
-            <a:off x="1141412" y="2249487"/>
-            <a:ext cx="6579141" cy="3541714"/>
+            <a:off x="1141413" y="2064952"/>
+            <a:ext cx="6607420" cy="3000821"/>
           </a:xfrm>
+          <a:prstGeom prst="rect">
+            <a:avLst/>
+          </a:prstGeom>
+          <a:noFill/>
+          <a:ln>
+            <a:noFill/>
+          </a:ln>
+          <a:effectLst/>
+          <a:extLst>
+            <a:ext uri="{909E8E84-426E-40DD-AFC4-6F175D3DCCD1}">
+              <a14:hiddenFill xmlns:a14="http://schemas.microsoft.com/office/drawing/2010/main">
+                <a:solidFill>
+                  <a:schemeClr val="accent1"/>
+                </a:solidFill>
+              </a14:hiddenFill>
+            </a:ext>
+            <a:ext uri="{91240B29-F687-4F45-9708-019B960494DF}">
+              <a14:hiddenLine xmlns:a14="http://schemas.microsoft.com/office/drawing/2010/main" w="9525">
+                <a:solidFill>
+                  <a:schemeClr val="tx1"/>
+                </a:solidFill>
+                <a:miter lim="800000"/>
+                <a:headEnd/>
+                <a:tailEnd/>
+              </a14:hiddenLine>
+            </a:ext>
+            <a:ext uri="{AF507438-7753-43E0-B8FC-AC1667EBCBE1}">
+              <a14:hiddenEffects xmlns:a14="http://schemas.microsoft.com/office/drawing/2010/main">
+                <a:effectLst>
+                  <a:outerShdw dist="35921" dir="2700000" algn="ctr" rotWithShape="0">
+                    <a:schemeClr val="bg2"/>
+                  </a:outerShdw>
+                </a:effectLst>
+              </a14:hiddenEffects>
+            </a:ext>
+          </a:extLst>
         </p:spPr>
         <p:txBody>
-          <a:bodyPr>
-            <a:normAutofit fontScale="92500" lnSpcReduction="10000"/>
+          <a:bodyPr vert="horz" wrap="square" lIns="91440" tIns="0" rIns="91440" bIns="45720" numCol="1" anchor="ctr" anchorCtr="0" compatLnSpc="1">
+            <a:prstTxWarp prst="textNoShape">
+              <a:avLst/>
+            </a:prstTxWarp>
+            <a:spAutoFit/>
           </a:bodyPr>
           <a:lstStyle/>
           <a:p>
-            <a:pPr marL="0" indent="0">
-              <a:buNone/>
+            <a:pPr marL="0" marR="0" lvl="0" indent="0" algn="l" defTabSz="914400" rtl="0" eaLnBrk="0" fontAlgn="base" latinLnBrk="0" hangingPunct="0">
+              <a:lnSpc>
+                <a:spcPct val="100000"/>
+              </a:lnSpc>
+              <a:spcBef>
+                <a:spcPct val="0"/>
+              </a:spcBef>
+              <a:spcAft>
+                <a:spcPct val="0"/>
+              </a:spcAft>
+              <a:buClrTx/>
+              <a:buSzTx/>
+              <a:buFontTx/>
+              <a:buNone/>
+              <a:tabLst/>
             </a:pPr>
             <a:r>
-              <a:rPr lang="pl-PL" dirty="0"/>
-              <a:t>Proces lokalizacji punktu p polega na zejściu w dół drzewa BST. W każdym odwiedzanym węźle (separatorze) wykonywany jest test: "czy punkt p leży na lewo, czy na prawo od tego łańcucha?". Test ten realizowany jest dwuetapowo: najpierw za pomocą wyszukiwania binarnego znajdowany jest segment separatora o współrzędnych Y końców między którymi znajduje się punkt, a następnie obliczany jest iloczyn wektorowy w celu określenia relacji lewo/prawo.</a:t>
+              <a:rPr kumimoji="0" lang="pl-PL" altLang="pl-PL" b="0" i="0" u="none" strike="noStrike" cap="none" normalizeH="0" baseline="0" dirty="0">
+                <a:ln>
+                  <a:noFill/>
+                </a:ln>
+                <a:solidFill>
+                  <a:schemeClr val="tx1"/>
+                </a:solidFill>
+                <a:effectLst/>
+                <a:cs typeface="Arial" panose="020B0604020202020204" pitchFamily="34" charset="0"/>
+              </a:rPr>
+              <a:t>W finalnym kroku algorytm dysponuje dwoma separatorami: najbliższym z lewej oraz najbliższym z prawej. Ponieważ regiony nie są przechowywane w pamięci jako gotowe obiekty, program musi je dynamicznie odtworzyć. Realizowane jest to poprzez równoczesne przejście po wierzchołkach obu łańcuchów. Algorytm identyfikuje punkty wspólne, w których separatory się stykają. </a:t>
             </a:r>
           </a:p>
         </p:txBody>
       </p:sp>
       <p:pic>
         <p:nvPicPr>
-          <p:cNvPr id="5" name="Obraz 4" descr="Obraz zawierający linia, diagram, tekst, Wykres&#10;&#10;Zawartość wygenerowana przez AI może być niepoprawna.">
+          <p:cNvPr id="6" name="Obraz 5">
             <a:extLst>
               <a:ext uri="{FF2B5EF4-FFF2-40B4-BE49-F238E27FC236}">
-                <a16:creationId xmlns:a16="http://schemas.microsoft.com/office/drawing/2014/main" id="{B264F892-1125-F190-F433-0ACD5DCAF61B}"/>
+                <a16:creationId xmlns:a16="http://schemas.microsoft.com/office/drawing/2014/main" id="{FC5B8F63-36E4-F7BF-CB9D-EB6E6139E2EF}"/>
               </a:ext>
             </a:extLst>
           </p:cNvPr>
@@ -12962,8 +13108,8 @@
         </p:blipFill>
         <p:spPr>
           <a:xfrm>
-            <a:off x="7720553" y="2436453"/>
-            <a:ext cx="3990346" cy="2986152"/>
+            <a:off x="7834899" y="1911061"/>
+            <a:ext cx="3829584" cy="2905530"/>
           </a:xfrm>
           <a:prstGeom prst="rect">
             <a:avLst/>
@@ -12973,7 +13119,7 @@
     </p:spTree>
     <p:extLst>
       <p:ext uri="{BB962C8B-B14F-4D97-AF65-F5344CB8AC3E}">
-        <p14:creationId xmlns:p14="http://schemas.microsoft.com/office/powerpoint/2010/main" val="1397811"/>
+        <p14:creationId xmlns:p14="http://schemas.microsoft.com/office/powerpoint/2010/main" val="3714972828"/>
       </p:ext>
     </p:extLst>
   </p:cSld>
@@ -12984,6 +13130,144 @@
 </file>
 
 <file path=ppt/slides/slide14.xml><?xml version="1.0" encoding="utf-8"?>
+<p:sld xmlns:a="http://schemas.openxmlformats.org/drawingml/2006/main" xmlns:r="http://schemas.openxmlformats.org/officeDocument/2006/relationships" xmlns:p="http://schemas.openxmlformats.org/presentationml/2006/main">
+  <p:cSld>
+    <p:spTree>
+      <p:nvGrpSpPr>
+        <p:cNvPr id="1" name=""/>
+        <p:cNvGrpSpPr/>
+        <p:nvPr/>
+      </p:nvGrpSpPr>
+      <p:grpSpPr>
+        <a:xfrm>
+          <a:off x="0" y="0"/>
+          <a:ext cx="0" cy="0"/>
+          <a:chOff x="0" y="0"/>
+          <a:chExt cx="0" cy="0"/>
+        </a:xfrm>
+      </p:grpSpPr>
+      <p:sp>
+        <p:nvSpPr>
+          <p:cNvPr id="2" name="Tytuł 1">
+            <a:extLst>
+              <a:ext uri="{FF2B5EF4-FFF2-40B4-BE49-F238E27FC236}">
+                <a16:creationId xmlns:a16="http://schemas.microsoft.com/office/drawing/2014/main" id="{18284705-6B11-6730-A74A-A27A871E70D8}"/>
+              </a:ext>
+            </a:extLst>
+          </p:cNvPr>
+          <p:cNvSpPr>
+            <a:spLocks noGrp="1"/>
+          </p:cNvSpPr>
+          <p:nvPr>
+            <p:ph type="title"/>
+          </p:nvPr>
+        </p:nvSpPr>
+        <p:spPr/>
+        <p:txBody>
+          <a:bodyPr/>
+          <a:lstStyle/>
+          <a:p>
+            <a:r>
+              <a:rPr lang="pl-PL" dirty="0"/>
+              <a:t>Konstrukcja wyniku</a:t>
+            </a:r>
+            <a:br>
+              <a:rPr lang="pl-PL" dirty="0"/>
+            </a:br>
+            <a:endParaRPr lang="pl-PL" dirty="0"/>
+          </a:p>
+        </p:txBody>
+      </p:sp>
+      <p:sp>
+        <p:nvSpPr>
+          <p:cNvPr id="3" name="Symbol zastępczy zawartości 2">
+            <a:extLst>
+              <a:ext uri="{FF2B5EF4-FFF2-40B4-BE49-F238E27FC236}">
+                <a16:creationId xmlns:a16="http://schemas.microsoft.com/office/drawing/2014/main" id="{14AD547B-61AA-F4E3-15A6-A50799010C83}"/>
+              </a:ext>
+            </a:extLst>
+          </p:cNvPr>
+          <p:cNvSpPr>
+            <a:spLocks noGrp="1"/>
+          </p:cNvSpPr>
+          <p:nvPr>
+            <p:ph idx="1"/>
+          </p:nvPr>
+        </p:nvSpPr>
+        <p:spPr>
+          <a:xfrm>
+            <a:off x="1141413" y="2249487"/>
+            <a:ext cx="5570472" cy="3541714"/>
+          </a:xfrm>
+        </p:spPr>
+        <p:txBody>
+          <a:bodyPr>
+            <a:normAutofit lnSpcReduction="10000"/>
+          </a:bodyPr>
+          <a:lstStyle/>
+          <a:p>
+            <a:pPr marL="0" indent="0">
+              <a:buNone/>
+            </a:pPr>
+            <a:r>
+              <a:rPr lang="pl-PL" altLang="pl-PL" dirty="0">
+                <a:cs typeface="Arial" panose="020B0604020202020204" pitchFamily="34" charset="0"/>
+              </a:rPr>
+              <a:t>Obszar zawarty pomiędzy dwoma kolejnymi punktami styczności tworzy zamkniętą przestrzeń. Spośród wszystkich wykrytych między separatorami przestrzeni, wybierana jest ta, która w pionie (oś Y) obejmuje współrzędną punktu zapytania. Krawędzie tworzące ten konkretny bąbelek są zwracane jako szukany region.</a:t>
+            </a:r>
+            <a:endParaRPr lang="pl-PL" dirty="0">
+              <a:cs typeface="Arial" panose="020B0604020202020204" pitchFamily="34" charset="0"/>
+            </a:endParaRPr>
+          </a:p>
+          <a:p>
+            <a:endParaRPr lang="pl-PL" dirty="0"/>
+          </a:p>
+        </p:txBody>
+      </p:sp>
+      <p:pic>
+        <p:nvPicPr>
+          <p:cNvPr id="5" name="Obraz 4" descr="Obraz zawierający linia, diagram, design&#10;&#10;Zawartość wygenerowana przez AI może być niepoprawna.">
+            <a:extLst>
+              <a:ext uri="{FF2B5EF4-FFF2-40B4-BE49-F238E27FC236}">
+                <a16:creationId xmlns:a16="http://schemas.microsoft.com/office/drawing/2014/main" id="{077B84E7-56D7-C4DE-84BB-098E7CC3BFAC}"/>
+              </a:ext>
+            </a:extLst>
+          </p:cNvPr>
+          <p:cNvPicPr>
+            <a:picLocks noChangeAspect="1"/>
+          </p:cNvPicPr>
+          <p:nvPr/>
+        </p:nvPicPr>
+        <p:blipFill>
+          <a:blip r:embed="rId2"/>
+          <a:stretch>
+            <a:fillRect/>
+          </a:stretch>
+        </p:blipFill>
+        <p:spPr>
+          <a:xfrm>
+            <a:off x="7376141" y="2249487"/>
+            <a:ext cx="4228255" cy="3176503"/>
+          </a:xfrm>
+          <a:prstGeom prst="rect">
+            <a:avLst/>
+          </a:prstGeom>
+        </p:spPr>
+      </p:pic>
+    </p:spTree>
+    <p:extLst>
+      <p:ext uri="{BB962C8B-B14F-4D97-AF65-F5344CB8AC3E}">
+        <p14:creationId xmlns:p14="http://schemas.microsoft.com/office/powerpoint/2010/main" val="2855163226"/>
+      </p:ext>
+    </p:extLst>
+  </p:cSld>
+  <p:clrMapOvr>
+    <a:masterClrMapping/>
+  </p:clrMapOvr>
+</p:sld>
+</file>
+
+<file path=ppt/slides/slide15.xml><?xml version="1.0" encoding="utf-8"?>
 <p:sld xmlns:a="http://schemas.openxmlformats.org/drawingml/2006/main" xmlns:r="http://schemas.openxmlformats.org/officeDocument/2006/relationships" xmlns:p="http://schemas.openxmlformats.org/presentationml/2006/main">
   <p:cSld>
     <p:spTree>
@@ -13028,164 +13312,45 @@
           </a:p>
         </p:txBody>
       </p:sp>
-      <p:pic>
-        <p:nvPicPr>
-          <p:cNvPr id="9" name="Symbol zastępczy zawartości 8">
+      <p:sp>
+        <p:nvSpPr>
+          <p:cNvPr id="4" name="pole tekstowe 3">
             <a:extLst>
               <a:ext uri="{FF2B5EF4-FFF2-40B4-BE49-F238E27FC236}">
-                <a16:creationId xmlns:a16="http://schemas.microsoft.com/office/drawing/2014/main" id="{D39F464A-0916-515D-3B58-E2D7E24C1904}"/>
+                <a16:creationId xmlns:a16="http://schemas.microsoft.com/office/drawing/2014/main" id="{D4CB8993-1160-0266-892C-030E09383E5C}"/>
               </a:ext>
             </a:extLst>
           </p:cNvPr>
-          <p:cNvPicPr>
-            <a:picLocks noGrp="1" noChangeAspect="1"/>
-          </p:cNvPicPr>
-          <p:nvPr>
-            <p:ph idx="1"/>
-          </p:nvPr>
-        </p:nvPicPr>
-        <p:blipFill>
-          <a:blip r:embed="rId2">
-            <a:extLst>
-              <a:ext uri="{28A0092B-C50C-407E-A947-70E740481C1C}">
-                <a14:useLocalDpi xmlns:a14="http://schemas.microsoft.com/office/drawing/2010/main" val="0"/>
-              </a:ext>
-            </a:extLst>
-          </a:blip>
-          <a:stretch>
-            <a:fillRect/>
-          </a:stretch>
-        </p:blipFill>
+          <p:cNvSpPr txBox="1"/>
+          <p:nvPr/>
+        </p:nvSpPr>
         <p:spPr>
           <a:xfrm>
-            <a:off x="948457" y="1915587"/>
-            <a:ext cx="4689859" cy="3517395"/>
-          </a:xfrm>
-        </p:spPr>
-      </p:pic>
-      <p:pic>
-        <p:nvPicPr>
-          <p:cNvPr id="11" name="Obraz 10">
-            <a:extLst>
-              <a:ext uri="{FF2B5EF4-FFF2-40B4-BE49-F238E27FC236}">
-                <a16:creationId xmlns:a16="http://schemas.microsoft.com/office/drawing/2014/main" id="{8A818BAA-8E8F-B8B8-CA08-58FECB0BCD0C}"/>
-              </a:ext>
-            </a:extLst>
-          </p:cNvPr>
-          <p:cNvPicPr>
-            <a:picLocks noChangeAspect="1"/>
-          </p:cNvPicPr>
-          <p:nvPr/>
-        </p:nvPicPr>
-        <p:blipFill>
-          <a:blip r:embed="rId3">
-            <a:extLst>
-              <a:ext uri="{28A0092B-C50C-407E-A947-70E740481C1C}">
-                <a14:useLocalDpi xmlns:a14="http://schemas.microsoft.com/office/drawing/2010/main" val="0"/>
-              </a:ext>
-            </a:extLst>
-          </a:blip>
-          <a:stretch>
-            <a:fillRect/>
-          </a:stretch>
-        </p:blipFill>
-        <p:spPr>
-          <a:xfrm>
-            <a:off x="6357553" y="1919925"/>
-            <a:ext cx="4689858" cy="3517394"/>
+            <a:off x="1141412" y="2097088"/>
+            <a:ext cx="9623997" cy="1938992"/>
           </a:xfrm>
           <a:prstGeom prst="rect">
             <a:avLst/>
           </a:prstGeom>
+          <a:noFill/>
         </p:spPr>
-      </p:pic>
-    </p:spTree>
-    <p:extLst>
-      <p:ext uri="{BB962C8B-B14F-4D97-AF65-F5344CB8AC3E}">
-        <p14:creationId xmlns:p14="http://schemas.microsoft.com/office/powerpoint/2010/main" val="1022760886"/>
-      </p:ext>
-    </p:extLst>
-  </p:cSld>
-  <p:clrMapOvr>
-    <a:masterClrMapping/>
-  </p:clrMapOvr>
-</p:sld>
-</file>
-
-<file path=ppt/slides/slide15.xml><?xml version="1.0" encoding="utf-8"?>
-<p:sld xmlns:a="http://schemas.openxmlformats.org/drawingml/2006/main" xmlns:r="http://schemas.openxmlformats.org/officeDocument/2006/relationships" xmlns:p="http://schemas.openxmlformats.org/presentationml/2006/main">
-  <p:cSld>
-    <p:spTree>
-      <p:nvGrpSpPr>
-        <p:cNvPr id="1" name=""/>
-        <p:cNvGrpSpPr/>
-        <p:nvPr/>
-      </p:nvGrpSpPr>
-      <p:grpSpPr>
-        <a:xfrm>
-          <a:off x="0" y="0"/>
-          <a:ext cx="0" cy="0"/>
-          <a:chOff x="0" y="0"/>
-          <a:chExt cx="0" cy="0"/>
-        </a:xfrm>
-      </p:grpSpPr>
-      <p:sp>
-        <p:nvSpPr>
-          <p:cNvPr id="2" name="Tytuł 1">
-            <a:extLst>
-              <a:ext uri="{FF2B5EF4-FFF2-40B4-BE49-F238E27FC236}">
-                <a16:creationId xmlns:a16="http://schemas.microsoft.com/office/drawing/2014/main" id="{F09B761F-3F45-9524-DE23-01132F0590A3}"/>
-              </a:ext>
-            </a:extLst>
-          </p:cNvPr>
-          <p:cNvSpPr>
-            <a:spLocks noGrp="1"/>
-          </p:cNvSpPr>
-          <p:nvPr>
-            <p:ph type="title"/>
-          </p:nvPr>
-        </p:nvSpPr>
-        <p:spPr/>
         <p:txBody>
-          <a:bodyPr/>
+          <a:bodyPr wrap="square">
+            <a:spAutoFit/>
+          </a:bodyPr>
           <a:lstStyle/>
           <a:p>
             <a:r>
-              <a:rPr lang="pl-PL" dirty="0"/>
-              <a:t>Bibliografia</a:t>
-            </a:r>
-          </a:p>
-        </p:txBody>
-      </p:sp>
-      <p:sp>
-        <p:nvSpPr>
-          <p:cNvPr id="3" name="Symbol zastępczy zawartości 2">
-            <a:extLst>
-              <a:ext uri="{FF2B5EF4-FFF2-40B4-BE49-F238E27FC236}">
-                <a16:creationId xmlns:a16="http://schemas.microsoft.com/office/drawing/2014/main" id="{E28E2485-81FE-B8A0-E669-7C8000C7F9C9}"/>
-              </a:ext>
-            </a:extLst>
-          </p:cNvPr>
-          <p:cNvSpPr>
-            <a:spLocks noGrp="1"/>
-          </p:cNvSpPr>
-          <p:nvPr>
-            <p:ph idx="1"/>
-          </p:nvPr>
-        </p:nvSpPr>
-        <p:spPr/>
-        <p:txBody>
-          <a:bodyPr/>
-          <a:lstStyle/>
-          <a:p>
-            <a:endParaRPr lang="pl-PL" dirty="0"/>
+              <a:rPr lang="pl-PL" sz="2400" dirty="0"/>
+              <a:t>Działanie programu przedstawiono na wizualizacjach. Dla zadanego punktu (zielony kolor), system podświetla aktualnie testowany separator (kolor pomarańczowy) oraz konkretny segment (kolor niebieski). Wynikiem działania algorytmu jest wskazanie krawędzi regionu zawierającego punkt, co oznaczono kolorem czerwonym</a:t>
+            </a:r>
           </a:p>
         </p:txBody>
       </p:sp>
     </p:spTree>
     <p:extLst>
       <p:ext uri="{BB962C8B-B14F-4D97-AF65-F5344CB8AC3E}">
-        <p14:creationId xmlns:p14="http://schemas.microsoft.com/office/powerpoint/2010/main" val="4166644939"/>
+        <p14:creationId xmlns:p14="http://schemas.microsoft.com/office/powerpoint/2010/main" val="1022760886"/>
       </p:ext>
     </p:extLst>
   </p:cSld>
@@ -13217,7 +13382,7 @@
           <p:cNvPr id="2" name="Tytuł 1">
             <a:extLst>
               <a:ext uri="{FF2B5EF4-FFF2-40B4-BE49-F238E27FC236}">
-                <a16:creationId xmlns:a16="http://schemas.microsoft.com/office/drawing/2014/main" id="{07C2F286-097F-ACF5-E989-1122B542E7BA}"/>
+                <a16:creationId xmlns:a16="http://schemas.microsoft.com/office/drawing/2014/main" id="{ED6480B6-97CC-4D23-F267-14CD748F78FB}"/>
               </a:ext>
             </a:extLst>
           </p:cNvPr>
@@ -13235,7 +13400,434 @@
           <a:p>
             <a:r>
               <a:rPr lang="pl-PL" dirty="0"/>
-              <a:t>Koniec</a:t>
+              <a:t>Zbiór wygenerowany proceduralnie</a:t>
+            </a:r>
+          </a:p>
+        </p:txBody>
+      </p:sp>
+      <p:pic>
+        <p:nvPicPr>
+          <p:cNvPr id="11" name="Obraz 10">
+            <a:extLst>
+              <a:ext uri="{FF2B5EF4-FFF2-40B4-BE49-F238E27FC236}">
+                <a16:creationId xmlns:a16="http://schemas.microsoft.com/office/drawing/2014/main" id="{8A818BAA-8E8F-B8B8-CA08-58FECB0BCD0C}"/>
+              </a:ext>
+            </a:extLst>
+          </p:cNvPr>
+          <p:cNvPicPr>
+            <a:picLocks noChangeAspect="1"/>
+          </p:cNvPicPr>
+          <p:nvPr/>
+        </p:nvPicPr>
+        <p:blipFill>
+          <a:blip r:embed="rId2">
+            <a:extLst>
+              <a:ext uri="{28A0092B-C50C-407E-A947-70E740481C1C}">
+                <a14:useLocalDpi xmlns:a14="http://schemas.microsoft.com/office/drawing/2010/main" val="0"/>
+              </a:ext>
+            </a:extLst>
+          </a:blip>
+          <a:stretch>
+            <a:fillRect/>
+          </a:stretch>
+        </p:blipFill>
+        <p:spPr>
+          <a:xfrm>
+            <a:off x="3332816" y="2057846"/>
+            <a:ext cx="5575513" cy="4181636"/>
+          </a:xfrm>
+          <a:prstGeom prst="rect">
+            <a:avLst/>
+          </a:prstGeom>
+        </p:spPr>
+      </p:pic>
+    </p:spTree>
+    <p:extLst>
+      <p:ext uri="{BB962C8B-B14F-4D97-AF65-F5344CB8AC3E}">
+        <p14:creationId xmlns:p14="http://schemas.microsoft.com/office/powerpoint/2010/main" val="2324352405"/>
+      </p:ext>
+    </p:extLst>
+  </p:cSld>
+  <p:clrMapOvr>
+    <a:masterClrMapping/>
+  </p:clrMapOvr>
+</p:sld>
+</file>
+
+<file path=ppt/slides/slide17.xml><?xml version="1.0" encoding="utf-8"?>
+<p:sld xmlns:a="http://schemas.openxmlformats.org/drawingml/2006/main" xmlns:r="http://schemas.openxmlformats.org/officeDocument/2006/relationships" xmlns:p="http://schemas.openxmlformats.org/presentationml/2006/main">
+  <p:cSld>
+    <p:spTree>
+      <p:nvGrpSpPr>
+        <p:cNvPr id="1" name=""/>
+        <p:cNvGrpSpPr/>
+        <p:nvPr/>
+      </p:nvGrpSpPr>
+      <p:grpSpPr>
+        <a:xfrm>
+          <a:off x="0" y="0"/>
+          <a:ext cx="0" cy="0"/>
+          <a:chOff x="0" y="0"/>
+          <a:chExt cx="0" cy="0"/>
+        </a:xfrm>
+      </p:grpSpPr>
+      <p:sp>
+        <p:nvSpPr>
+          <p:cNvPr id="2" name="Tytuł 1">
+            <a:extLst>
+              <a:ext uri="{FF2B5EF4-FFF2-40B4-BE49-F238E27FC236}">
+                <a16:creationId xmlns:a16="http://schemas.microsoft.com/office/drawing/2014/main" id="{9F7AFD16-F9B7-82E4-D1F7-B9668CDFB148}"/>
+              </a:ext>
+            </a:extLst>
+          </p:cNvPr>
+          <p:cNvSpPr>
+            <a:spLocks noGrp="1"/>
+          </p:cNvSpPr>
+          <p:nvPr>
+            <p:ph type="title"/>
+          </p:nvPr>
+        </p:nvSpPr>
+        <p:spPr/>
+        <p:txBody>
+          <a:bodyPr/>
+          <a:lstStyle/>
+          <a:p>
+            <a:r>
+              <a:rPr lang="pl-PL" dirty="0"/>
+              <a:t>Zbiór Wygenerowany losowo</a:t>
+            </a:r>
+          </a:p>
+        </p:txBody>
+      </p:sp>
+      <p:pic>
+        <p:nvPicPr>
+          <p:cNvPr id="5" name="Symbol zastępczy zawartości 4">
+            <a:extLst>
+              <a:ext uri="{FF2B5EF4-FFF2-40B4-BE49-F238E27FC236}">
+                <a16:creationId xmlns:a16="http://schemas.microsoft.com/office/drawing/2014/main" id="{714F9E8C-D3A4-788B-C4A2-035668D9F100}"/>
+              </a:ext>
+            </a:extLst>
+          </p:cNvPr>
+          <p:cNvPicPr>
+            <a:picLocks noGrp="1" noChangeAspect="1"/>
+          </p:cNvPicPr>
+          <p:nvPr>
+            <p:ph idx="1"/>
+          </p:nvPr>
+        </p:nvPicPr>
+        <p:blipFill>
+          <a:blip r:embed="rId2">
+            <a:extLst>
+              <a:ext uri="{28A0092B-C50C-407E-A947-70E740481C1C}">
+                <a14:useLocalDpi xmlns:a14="http://schemas.microsoft.com/office/drawing/2010/main" val="0"/>
+              </a:ext>
+            </a:extLst>
+          </a:blip>
+          <a:stretch>
+            <a:fillRect/>
+          </a:stretch>
+        </p:blipFill>
+        <p:spPr>
+          <a:xfrm>
+            <a:off x="3181915" y="1950974"/>
+            <a:ext cx="5824993" cy="4368746"/>
+          </a:xfrm>
+        </p:spPr>
+      </p:pic>
+    </p:spTree>
+    <p:extLst>
+      <p:ext uri="{BB962C8B-B14F-4D97-AF65-F5344CB8AC3E}">
+        <p14:creationId xmlns:p14="http://schemas.microsoft.com/office/powerpoint/2010/main" val="700107635"/>
+      </p:ext>
+    </p:extLst>
+  </p:cSld>
+  <p:clrMapOvr>
+    <a:masterClrMapping/>
+  </p:clrMapOvr>
+</p:sld>
+</file>
+
+<file path=ppt/slides/slide18.xml><?xml version="1.0" encoding="utf-8"?>
+<p:sld xmlns:a="http://schemas.openxmlformats.org/drawingml/2006/main" xmlns:r="http://schemas.openxmlformats.org/officeDocument/2006/relationships" xmlns:p="http://schemas.openxmlformats.org/presentationml/2006/main">
+  <p:cSld>
+    <p:spTree>
+      <p:nvGrpSpPr>
+        <p:cNvPr id="1" name=""/>
+        <p:cNvGrpSpPr/>
+        <p:nvPr/>
+      </p:nvGrpSpPr>
+      <p:grpSpPr>
+        <a:xfrm>
+          <a:off x="0" y="0"/>
+          <a:ext cx="0" cy="0"/>
+          <a:chOff x="0" y="0"/>
+          <a:chExt cx="0" cy="0"/>
+        </a:xfrm>
+      </p:grpSpPr>
+      <p:sp>
+        <p:nvSpPr>
+          <p:cNvPr id="2" name="Tytuł 1">
+            <a:extLst>
+              <a:ext uri="{FF2B5EF4-FFF2-40B4-BE49-F238E27FC236}">
+                <a16:creationId xmlns:a16="http://schemas.microsoft.com/office/drawing/2014/main" id="{C4F19350-93C6-1392-6F7F-16F851A24959}"/>
+              </a:ext>
+            </a:extLst>
+          </p:cNvPr>
+          <p:cNvSpPr>
+            <a:spLocks noGrp="1"/>
+          </p:cNvSpPr>
+          <p:nvPr>
+            <p:ph type="title"/>
+          </p:nvPr>
+        </p:nvSpPr>
+        <p:spPr/>
+        <p:txBody>
+          <a:bodyPr/>
+          <a:lstStyle/>
+          <a:p>
+            <a:r>
+              <a:rPr lang="pl-PL" dirty="0"/>
+              <a:t>Obsługa przypadków brzegowych</a:t>
+            </a:r>
+          </a:p>
+        </p:txBody>
+      </p:sp>
+      <p:sp>
+        <p:nvSpPr>
+          <p:cNvPr id="4" name="Rectangle 1">
+            <a:extLst>
+              <a:ext uri="{FF2B5EF4-FFF2-40B4-BE49-F238E27FC236}">
+                <a16:creationId xmlns:a16="http://schemas.microsoft.com/office/drawing/2014/main" id="{7FC698C3-AC68-F914-CEB1-673EFE024EDF}"/>
+              </a:ext>
+            </a:extLst>
+          </p:cNvPr>
+          <p:cNvSpPr>
+            <a:spLocks noGrp="1" noChangeArrowheads="1"/>
+          </p:cNvSpPr>
+          <p:nvPr>
+            <p:ph idx="1"/>
+          </p:nvPr>
+        </p:nvSpPr>
+        <p:spPr bwMode="auto">
+          <a:xfrm>
+            <a:off x="1141412" y="2138934"/>
+            <a:ext cx="5975825" cy="3000821"/>
+          </a:xfrm>
+          <a:prstGeom prst="rect">
+            <a:avLst/>
+          </a:prstGeom>
+          <a:noFill/>
+          <a:ln>
+            <a:noFill/>
+          </a:ln>
+          <a:effectLst/>
+          <a:extLst>
+            <a:ext uri="{909E8E84-426E-40DD-AFC4-6F175D3DCCD1}">
+              <a14:hiddenFill xmlns:a14="http://schemas.microsoft.com/office/drawing/2010/main">
+                <a:solidFill>
+                  <a:schemeClr val="accent1"/>
+                </a:solidFill>
+              </a14:hiddenFill>
+            </a:ext>
+            <a:ext uri="{91240B29-F687-4F45-9708-019B960494DF}">
+              <a14:hiddenLine xmlns:a14="http://schemas.microsoft.com/office/drawing/2010/main" w="9525">
+                <a:solidFill>
+                  <a:schemeClr val="tx1"/>
+                </a:solidFill>
+                <a:miter lim="800000"/>
+                <a:headEnd/>
+                <a:tailEnd/>
+              </a14:hiddenLine>
+            </a:ext>
+            <a:ext uri="{AF507438-7753-43E0-B8FC-AC1667EBCBE1}">
+              <a14:hiddenEffects xmlns:a14="http://schemas.microsoft.com/office/drawing/2010/main">
+                <a:effectLst>
+                  <a:outerShdw dist="35921" dir="2700000" algn="ctr" rotWithShape="0">
+                    <a:schemeClr val="bg2"/>
+                  </a:outerShdw>
+                </a:effectLst>
+              </a14:hiddenEffects>
+            </a:ext>
+          </a:extLst>
+        </p:spPr>
+        <p:txBody>
+          <a:bodyPr vert="horz" wrap="square" lIns="91440" tIns="0" rIns="91440" bIns="45720" numCol="1" anchor="ctr" anchorCtr="0" compatLnSpc="1">
+            <a:prstTxWarp prst="textNoShape">
+              <a:avLst/>
+            </a:prstTxWarp>
+            <a:spAutoFit/>
+          </a:bodyPr>
+          <a:lstStyle/>
+          <a:p>
+            <a:pPr marL="0" marR="0" lvl="0" indent="0" algn="l" defTabSz="914400" rtl="0" eaLnBrk="0" fontAlgn="base" latinLnBrk="0" hangingPunct="0">
+              <a:lnSpc>
+                <a:spcPct val="100000"/>
+              </a:lnSpc>
+              <a:spcBef>
+                <a:spcPct val="0"/>
+              </a:spcBef>
+              <a:spcAft>
+                <a:spcPct val="0"/>
+              </a:spcAft>
+              <a:buClrTx/>
+              <a:buSzTx/>
+              <a:buFontTx/>
+              <a:buNone/>
+              <a:tabLst/>
+            </a:pPr>
+            <a:r>
+              <a:rPr kumimoji="0" lang="pl-PL" altLang="pl-PL" b="0" i="0" u="none" strike="noStrike" cap="none" normalizeH="0" baseline="0" dirty="0">
+                <a:ln>
+                  <a:noFill/>
+                </a:ln>
+                <a:solidFill>
+                  <a:schemeClr val="tx1"/>
+                </a:solidFill>
+                <a:effectLst/>
+                <a:latin typeface="Arial" panose="020B0604020202020204" pitchFamily="34" charset="0"/>
+                <a:cs typeface="Arial" panose="020B0604020202020204" pitchFamily="34" charset="0"/>
+              </a:rPr>
+              <a:t>W implementacji uwzględniono problemy numeryczne typowe dla geometrii obliczeniowej. Zastosowano stałą </a:t>
+            </a:r>
+          </a:p>
+          <a:p>
+            <a:pPr marL="0" marR="0" lvl="0" indent="0" algn="l" defTabSz="914400" rtl="0" eaLnBrk="0" fontAlgn="base" latinLnBrk="0" hangingPunct="0">
+              <a:lnSpc>
+                <a:spcPct val="100000"/>
+              </a:lnSpc>
+              <a:spcBef>
+                <a:spcPct val="0"/>
+              </a:spcBef>
+              <a:spcAft>
+                <a:spcPct val="0"/>
+              </a:spcAft>
+              <a:buClrTx/>
+              <a:buSzTx/>
+              <a:buFontTx/>
+              <a:buNone/>
+              <a:tabLst/>
+            </a:pPr>
+            <a:r>
+              <a:rPr kumimoji="0" lang="pl-PL" altLang="pl-PL" b="0" i="0" u="none" strike="noStrike" cap="none" normalizeH="0" baseline="0" dirty="0" err="1">
+                <a:ln>
+                  <a:noFill/>
+                </a:ln>
+                <a:solidFill>
+                  <a:schemeClr val="tx1"/>
+                </a:solidFill>
+                <a:effectLst/>
+                <a:latin typeface="Arial" panose="020B0604020202020204" pitchFamily="34" charset="0"/>
+                <a:cs typeface="Arial" panose="020B0604020202020204" pitchFamily="34" charset="0"/>
+              </a:rPr>
+              <a:t>eps</a:t>
+            </a:r>
+            <a:r>
+              <a:rPr kumimoji="0" lang="pl-PL" altLang="pl-PL" b="0" i="0" u="none" strike="noStrike" cap="none" normalizeH="0" baseline="0" dirty="0">
+                <a:ln>
+                  <a:noFill/>
+                </a:ln>
+                <a:solidFill>
+                  <a:schemeClr val="tx1"/>
+                </a:solidFill>
+                <a:effectLst/>
+                <a:latin typeface="Arial" panose="020B0604020202020204" pitchFamily="34" charset="0"/>
+                <a:cs typeface="Arial" panose="020B0604020202020204" pitchFamily="34" charset="0"/>
+              </a:rPr>
+              <a:t> rzędu 10^-12 do porównań zmiennoprzecinkowych. Obsłużono również przypadki zdegenerowane, takie jak położenie punktu idealnie na krawędzi separatora.</a:t>
+            </a:r>
+          </a:p>
+        </p:txBody>
+      </p:sp>
+      <p:pic>
+        <p:nvPicPr>
+          <p:cNvPr id="6" name="Obraz 5">
+            <a:extLst>
+              <a:ext uri="{FF2B5EF4-FFF2-40B4-BE49-F238E27FC236}">
+                <a16:creationId xmlns:a16="http://schemas.microsoft.com/office/drawing/2014/main" id="{4855B1BD-2E6A-AB57-FFF5-8E67FDFEB505}"/>
+              </a:ext>
+            </a:extLst>
+          </p:cNvPr>
+          <p:cNvPicPr>
+            <a:picLocks noChangeAspect="1"/>
+          </p:cNvPicPr>
+          <p:nvPr/>
+        </p:nvPicPr>
+        <p:blipFill>
+          <a:blip r:embed="rId2">
+            <a:extLst>
+              <a:ext uri="{28A0092B-C50C-407E-A947-70E740481C1C}">
+                <a14:useLocalDpi xmlns:a14="http://schemas.microsoft.com/office/drawing/2010/main" val="0"/>
+              </a:ext>
+            </a:extLst>
+          </a:blip>
+          <a:stretch>
+            <a:fillRect/>
+          </a:stretch>
+        </p:blipFill>
+        <p:spPr>
+          <a:xfrm>
+            <a:off x="7412610" y="2138934"/>
+            <a:ext cx="4135225" cy="3101419"/>
+          </a:xfrm>
+          <a:prstGeom prst="rect">
+            <a:avLst/>
+          </a:prstGeom>
+        </p:spPr>
+      </p:pic>
+    </p:spTree>
+    <p:extLst>
+      <p:ext uri="{BB962C8B-B14F-4D97-AF65-F5344CB8AC3E}">
+        <p14:creationId xmlns:p14="http://schemas.microsoft.com/office/powerpoint/2010/main" val="2278160110"/>
+      </p:ext>
+    </p:extLst>
+  </p:cSld>
+  <p:clrMapOvr>
+    <a:masterClrMapping/>
+  </p:clrMapOvr>
+</p:sld>
+</file>
+
+<file path=ppt/slides/slide19.xml><?xml version="1.0" encoding="utf-8"?>
+<p:sld xmlns:a="http://schemas.openxmlformats.org/drawingml/2006/main" xmlns:r="http://schemas.openxmlformats.org/officeDocument/2006/relationships" xmlns:p="http://schemas.openxmlformats.org/presentationml/2006/main">
+  <p:cSld>
+    <p:spTree>
+      <p:nvGrpSpPr>
+        <p:cNvPr id="1" name=""/>
+        <p:cNvGrpSpPr/>
+        <p:nvPr/>
+      </p:nvGrpSpPr>
+      <p:grpSpPr>
+        <a:xfrm>
+          <a:off x="0" y="0"/>
+          <a:ext cx="0" cy="0"/>
+          <a:chOff x="0" y="0"/>
+          <a:chExt cx="0" cy="0"/>
+        </a:xfrm>
+      </p:grpSpPr>
+      <p:sp>
+        <p:nvSpPr>
+          <p:cNvPr id="2" name="Tytuł 1">
+            <a:extLst>
+              <a:ext uri="{FF2B5EF4-FFF2-40B4-BE49-F238E27FC236}">
+                <a16:creationId xmlns:a16="http://schemas.microsoft.com/office/drawing/2014/main" id="{3BBD4876-87D1-26E8-B312-18A64C7F1DAB}"/>
+              </a:ext>
+            </a:extLst>
+          </p:cNvPr>
+          <p:cNvSpPr>
+            <a:spLocks noGrp="1"/>
+          </p:cNvSpPr>
+          <p:nvPr>
+            <p:ph type="title"/>
+          </p:nvPr>
+        </p:nvSpPr>
+        <p:spPr/>
+        <p:txBody>
+          <a:bodyPr/>
+          <a:lstStyle/>
+          <a:p>
+            <a:r>
+              <a:rPr lang="pl-PL" dirty="0"/>
+              <a:t>Podsumowanie</a:t>
             </a:r>
           </a:p>
         </p:txBody>
@@ -13245,7 +13837,7 @@
           <p:cNvPr id="3" name="Symbol zastępczy zawartości 2">
             <a:extLst>
               <a:ext uri="{FF2B5EF4-FFF2-40B4-BE49-F238E27FC236}">
-                <a16:creationId xmlns:a16="http://schemas.microsoft.com/office/drawing/2014/main" id="{ABAEA2A6-A4FB-20F4-AB53-5976C2640519}"/>
+                <a16:creationId xmlns:a16="http://schemas.microsoft.com/office/drawing/2014/main" id="{AA5E92E6-5C3C-78F1-5415-AEADEFD9E65E}"/>
               </a:ext>
             </a:extLst>
           </p:cNvPr>
@@ -13266,7 +13858,7 @@
             </a:pPr>
             <a:r>
               <a:rPr lang="pl-PL" dirty="0"/>
-              <a:t>Dziękujemy za uwagę</a:t>
+              <a:t>Metoda Separatorów charakteryzuje się wysoką efektywnością fazy zapytań, co czyni ją odpowiednią dla statycznych podziałów mapy. Kluczowym aspektem poprawnego działania jest przygotowanie danych, obejmujący triangulację i wyznaczenie wag planarnych. Implementacja potwierdziła poprawność i wydajność metody dla zróżnicowanych danych testowych.</a:t>
             </a:r>
           </a:p>
         </p:txBody>
@@ -13274,7 +13866,7 @@
     </p:spTree>
     <p:extLst>
       <p:ext uri="{BB962C8B-B14F-4D97-AF65-F5344CB8AC3E}">
-        <p14:creationId xmlns:p14="http://schemas.microsoft.com/office/powerpoint/2010/main" val="2383983761"/>
+        <p14:creationId xmlns:p14="http://schemas.microsoft.com/office/powerpoint/2010/main" val="2993015291"/>
       </p:ext>
     </p:extLst>
   </p:cSld>
@@ -13365,6 +13957,178 @@
     <p:extLst>
       <p:ext uri="{BB962C8B-B14F-4D97-AF65-F5344CB8AC3E}">
         <p14:creationId xmlns:p14="http://schemas.microsoft.com/office/powerpoint/2010/main" val="3737188565"/>
+      </p:ext>
+    </p:extLst>
+  </p:cSld>
+  <p:clrMapOvr>
+    <a:masterClrMapping/>
+  </p:clrMapOvr>
+</p:sld>
+</file>
+
+<file path=ppt/slides/slide20.xml><?xml version="1.0" encoding="utf-8"?>
+<p:sld xmlns:a="http://schemas.openxmlformats.org/drawingml/2006/main" xmlns:r="http://schemas.openxmlformats.org/officeDocument/2006/relationships" xmlns:p="http://schemas.openxmlformats.org/presentationml/2006/main">
+  <p:cSld>
+    <p:spTree>
+      <p:nvGrpSpPr>
+        <p:cNvPr id="1" name=""/>
+        <p:cNvGrpSpPr/>
+        <p:nvPr/>
+      </p:nvGrpSpPr>
+      <p:grpSpPr>
+        <a:xfrm>
+          <a:off x="0" y="0"/>
+          <a:ext cx="0" cy="0"/>
+          <a:chOff x="0" y="0"/>
+          <a:chExt cx="0" cy="0"/>
+        </a:xfrm>
+      </p:grpSpPr>
+      <p:sp>
+        <p:nvSpPr>
+          <p:cNvPr id="2" name="Tytuł 1">
+            <a:extLst>
+              <a:ext uri="{FF2B5EF4-FFF2-40B4-BE49-F238E27FC236}">
+                <a16:creationId xmlns:a16="http://schemas.microsoft.com/office/drawing/2014/main" id="{F09B761F-3F45-9524-DE23-01132F0590A3}"/>
+              </a:ext>
+            </a:extLst>
+          </p:cNvPr>
+          <p:cNvSpPr>
+            <a:spLocks noGrp="1"/>
+          </p:cNvSpPr>
+          <p:nvPr>
+            <p:ph type="title"/>
+          </p:nvPr>
+        </p:nvSpPr>
+        <p:spPr/>
+        <p:txBody>
+          <a:bodyPr/>
+          <a:lstStyle/>
+          <a:p>
+            <a:r>
+              <a:rPr lang="pl-PL" dirty="0"/>
+              <a:t>Bibliografia</a:t>
+            </a:r>
+          </a:p>
+        </p:txBody>
+      </p:sp>
+      <p:sp>
+        <p:nvSpPr>
+          <p:cNvPr id="3" name="Symbol zastępczy zawartości 2">
+            <a:extLst>
+              <a:ext uri="{FF2B5EF4-FFF2-40B4-BE49-F238E27FC236}">
+                <a16:creationId xmlns:a16="http://schemas.microsoft.com/office/drawing/2014/main" id="{E28E2485-81FE-B8A0-E669-7C8000C7F9C9}"/>
+              </a:ext>
+            </a:extLst>
+          </p:cNvPr>
+          <p:cNvSpPr>
+            <a:spLocks noGrp="1"/>
+          </p:cNvSpPr>
+          <p:nvPr>
+            <p:ph idx="1"/>
+          </p:nvPr>
+        </p:nvSpPr>
+        <p:spPr/>
+        <p:txBody>
+          <a:bodyPr/>
+          <a:lstStyle/>
+          <a:p>
+            <a:endParaRPr lang="pl-PL" dirty="0"/>
+          </a:p>
+        </p:txBody>
+      </p:sp>
+    </p:spTree>
+    <p:extLst>
+      <p:ext uri="{BB962C8B-B14F-4D97-AF65-F5344CB8AC3E}">
+        <p14:creationId xmlns:p14="http://schemas.microsoft.com/office/powerpoint/2010/main" val="4166644939"/>
+      </p:ext>
+    </p:extLst>
+  </p:cSld>
+  <p:clrMapOvr>
+    <a:masterClrMapping/>
+  </p:clrMapOvr>
+</p:sld>
+</file>
+
+<file path=ppt/slides/slide21.xml><?xml version="1.0" encoding="utf-8"?>
+<p:sld xmlns:a="http://schemas.openxmlformats.org/drawingml/2006/main" xmlns:r="http://schemas.openxmlformats.org/officeDocument/2006/relationships" xmlns:p="http://schemas.openxmlformats.org/presentationml/2006/main">
+  <p:cSld>
+    <p:spTree>
+      <p:nvGrpSpPr>
+        <p:cNvPr id="1" name=""/>
+        <p:cNvGrpSpPr/>
+        <p:nvPr/>
+      </p:nvGrpSpPr>
+      <p:grpSpPr>
+        <a:xfrm>
+          <a:off x="0" y="0"/>
+          <a:ext cx="0" cy="0"/>
+          <a:chOff x="0" y="0"/>
+          <a:chExt cx="0" cy="0"/>
+        </a:xfrm>
+      </p:grpSpPr>
+      <p:sp>
+        <p:nvSpPr>
+          <p:cNvPr id="2" name="Tytuł 1">
+            <a:extLst>
+              <a:ext uri="{FF2B5EF4-FFF2-40B4-BE49-F238E27FC236}">
+                <a16:creationId xmlns:a16="http://schemas.microsoft.com/office/drawing/2014/main" id="{07C2F286-097F-ACF5-E989-1122B542E7BA}"/>
+              </a:ext>
+            </a:extLst>
+          </p:cNvPr>
+          <p:cNvSpPr>
+            <a:spLocks noGrp="1"/>
+          </p:cNvSpPr>
+          <p:nvPr>
+            <p:ph type="title"/>
+          </p:nvPr>
+        </p:nvSpPr>
+        <p:spPr/>
+        <p:txBody>
+          <a:bodyPr/>
+          <a:lstStyle/>
+          <a:p>
+            <a:r>
+              <a:rPr lang="pl-PL" dirty="0"/>
+              <a:t>Koniec</a:t>
+            </a:r>
+          </a:p>
+        </p:txBody>
+      </p:sp>
+      <p:sp>
+        <p:nvSpPr>
+          <p:cNvPr id="3" name="Symbol zastępczy zawartości 2">
+            <a:extLst>
+              <a:ext uri="{FF2B5EF4-FFF2-40B4-BE49-F238E27FC236}">
+                <a16:creationId xmlns:a16="http://schemas.microsoft.com/office/drawing/2014/main" id="{ABAEA2A6-A4FB-20F4-AB53-5976C2640519}"/>
+              </a:ext>
+            </a:extLst>
+          </p:cNvPr>
+          <p:cNvSpPr>
+            <a:spLocks noGrp="1"/>
+          </p:cNvSpPr>
+          <p:nvPr>
+            <p:ph idx="1"/>
+          </p:nvPr>
+        </p:nvSpPr>
+        <p:spPr/>
+        <p:txBody>
+          <a:bodyPr/>
+          <a:lstStyle/>
+          <a:p>
+            <a:pPr marL="0" indent="0">
+              <a:buNone/>
+            </a:pPr>
+            <a:r>
+              <a:rPr lang="pl-PL" dirty="0"/>
+              <a:t>Dziękujemy za uwagę</a:t>
+            </a:r>
+          </a:p>
+        </p:txBody>
+      </p:sp>
+    </p:spTree>
+    <p:extLst>
+      <p:ext uri="{BB962C8B-B14F-4D97-AF65-F5344CB8AC3E}">
+        <p14:creationId xmlns:p14="http://schemas.microsoft.com/office/powerpoint/2010/main" val="2383983761"/>
       </p:ext>
     </p:extLst>
   </p:cSld>
@@ -13773,6 +14537,9 @@
           <a:bodyPr/>
           <a:lstStyle/>
           <a:p>
+            <a:pPr marL="0" indent="0">
+              <a:buNone/>
+            </a:pPr>
             <a:r>
               <a:rPr lang="pl-PL" dirty="0"/>
               <a:t>Podział płaszczyzny reprezentowany jest jako Skierowany Graf Acykliczny. W implementacji wykorzystano klasę </a:t>
@@ -13993,6 +14760,9 @@
           <a:bodyPr/>
           <a:lstStyle/>
           <a:p>
+            <a:pPr marL="0" indent="0">
+              <a:buNone/>
+            </a:pPr>
             <a:r>
               <a:rPr lang="pl-PL" dirty="0"/>
               <a:t>Aby podzielić graf na separatory, należy ustalić "przepustowość" krawędzi. Implementacja wykorzystuje funkcję </a:t>
@@ -14158,7 +14928,6 @@
                   <a:schemeClr val="tx1"/>
                 </a:solidFill>
                 <a:effectLst/>
-                <a:latin typeface="Google Sans Text"/>
               </a:rPr>
               <a:t>Algorytm obliczania wag składa się z dwóch faz.</a:t>
             </a:r>
@@ -14180,9 +14949,7 @@
               <a:buNone/>
               <a:tabLst/>
             </a:pPr>
-            <a:endParaRPr lang="pl-PL" altLang="pl-PL" dirty="0">
-              <a:latin typeface="Google Sans Text"/>
-            </a:endParaRPr>
+            <a:endParaRPr lang="pl-PL" altLang="pl-PL" dirty="0"/>
           </a:p>
           <a:p>
             <a:pPr marL="0" marR="0" lvl="0" indent="0" algn="l" defTabSz="914400" rtl="0" eaLnBrk="0" fontAlgn="base" latinLnBrk="0" hangingPunct="0">
@@ -14210,22 +14977,8 @@
                   <a:schemeClr val="tx1"/>
                 </a:solidFill>
                 <a:effectLst/>
-                <a:latin typeface="Google Sans Text"/>
               </a:rPr>
-              <a:t>W fazie </a:t>
-            </a:r>
-            <a:r>
-              <a:rPr kumimoji="0" lang="pl-PL" altLang="pl-PL" b="1" i="0" u="none" strike="noStrike" cap="none" normalizeH="0" baseline="0" dirty="0" err="1">
-                <a:ln>
-                  <a:noFill/>
-                </a:ln>
-                <a:solidFill>
-                  <a:schemeClr val="tx1"/>
-                </a:solidFill>
-                <a:effectLst/>
-                <a:latin typeface="Google Sans Text"/>
-              </a:rPr>
-              <a:t>Forward</a:t>
+              <a:t>W fazie przejścia </a:t>
             </a:r>
             <a:r>
               <a:rPr kumimoji="0" lang="pl-PL" altLang="pl-PL" b="1" i="0" u="none" strike="noStrike" cap="none" normalizeH="0" baseline="0" dirty="0">
@@ -14236,9 +14989,8 @@
                   <a:schemeClr val="tx1"/>
                 </a:solidFill>
                 <a:effectLst/>
-                <a:latin typeface="Google Sans Text"/>
               </a:rPr>
-              <a:t> Pass</a:t>
+              <a:t>dół - góra </a:t>
             </a:r>
             <a:r>
               <a:rPr kumimoji="0" lang="pl-PL" altLang="pl-PL" b="0" i="0" u="none" strike="noStrike" cap="none" normalizeH="0" baseline="0" dirty="0">
@@ -14249,9 +15001,8 @@
                   <a:schemeClr val="tx1"/>
                 </a:solidFill>
                 <a:effectLst/>
-                <a:latin typeface="Google Sans Text"/>
               </a:rPr>
-              <a:t> (dół - góra) wagi są propagowane w górę, sumując wpływy z krawędzi wejściowych. Jeśli wierzchołek ma więcej wpływu niż wypływu, nadmiar kierowany jest na jego skrajną lewą krawędź wyjściową. </a:t>
+              <a:t>wagi są propagowane w górę, sumując wpływy z krawędzi wejściowych. Jeśli wierzchołek ma więcej wpływu niż wypływu, nadmiar kierowany jest na jego skrajną lewą krawędź wyjściową. </a:t>
             </a:r>
           </a:p>
           <a:p>
@@ -14279,7 +15030,6 @@
                 <a:schemeClr val="tx1"/>
               </a:solidFill>
               <a:effectLst/>
-              <a:latin typeface="Google Sans Text"/>
             </a:endParaRPr>
           </a:p>
           <a:p>
@@ -14308,22 +15058,8 @@
                   <a:schemeClr val="tx1"/>
                 </a:solidFill>
                 <a:effectLst/>
-                <a:latin typeface="Google Sans Text"/>
               </a:rPr>
-              <a:t>W fazie </a:t>
-            </a:r>
-            <a:r>
-              <a:rPr kumimoji="0" lang="pl-PL" altLang="pl-PL" b="1" i="0" u="none" strike="noStrike" cap="none" normalizeH="0" baseline="0" dirty="0" err="1">
-                <a:ln>
-                  <a:noFill/>
-                </a:ln>
-                <a:solidFill>
-                  <a:schemeClr val="tx1"/>
-                </a:solidFill>
-                <a:effectLst/>
-                <a:latin typeface="Google Sans Text"/>
-              </a:rPr>
-              <a:t>Backward</a:t>
+              <a:t>W fazie przejścia </a:t>
             </a:r>
             <a:r>
               <a:rPr kumimoji="0" lang="pl-PL" altLang="pl-PL" b="1" i="0" u="none" strike="noStrike" cap="none" normalizeH="0" baseline="0" dirty="0">
@@ -14334,9 +15070,8 @@
                   <a:schemeClr val="tx1"/>
                 </a:solidFill>
                 <a:effectLst/>
-                <a:latin typeface="Google Sans Text"/>
               </a:rPr>
-              <a:t> Pass</a:t>
+              <a:t>góra - dół </a:t>
             </a:r>
             <a:r>
               <a:rPr kumimoji="0" lang="pl-PL" altLang="pl-PL" b="0" i="0" u="none" strike="noStrike" cap="none" normalizeH="0" baseline="0" dirty="0">
@@ -14347,20 +15082,9 @@
                   <a:schemeClr val="tx1"/>
                 </a:solidFill>
                 <a:effectLst/>
-                <a:latin typeface="Google Sans Text"/>
               </a:rPr>
-              <a:t> (góra - dół) następuje korekta – brakujący przepływ jest uzupełniany, co gwarantuje spójność bilansu przepływu w każdym węźle grafu.</a:t>
-            </a:r>
-            <a:endParaRPr kumimoji="0" lang="pl-PL" altLang="pl-PL" b="0" i="0" u="none" strike="noStrike" cap="none" normalizeH="0" baseline="0" dirty="0">
-              <a:ln>
-                <a:noFill/>
-              </a:ln>
-              <a:solidFill>
-                <a:schemeClr val="tx1"/>
-              </a:solidFill>
-              <a:effectLst/>
-              <a:latin typeface="Arial" panose="020B0604020202020204" pitchFamily="34" charset="0"/>
-            </a:endParaRPr>
+              <a:t>następuje korekta – brakujący przepływ jest uzupełniany, co gwarantuje spójność bilansu przepływu w każdym węźle grafu.</a:t>
+            </a:r>
           </a:p>
         </p:txBody>
       </p:sp>
@@ -14540,6 +15264,9 @@
           <a:bodyPr/>
           <a:lstStyle/>
           <a:p>
+            <a:pPr marL="0" indent="0">
+              <a:buNone/>
+            </a:pPr>
             <a:r>
               <a:rPr lang="pl-PL" dirty="0"/>
               <a:t>Wygenerowane łańcuchy są organizowane w hierarchiczną strukturę danych – drzewo </a:t>
@@ -14554,6 +15281,9 @@
             </a:r>
           </a:p>
           <a:p>
+            <a:pPr marL="0" indent="0">
+              <a:buNone/>
+            </a:pPr>
             <a:r>
               <a:rPr lang="pl-PL" dirty="0"/>
               <a:t>Jako korzeń drzewa wybierany jest separator środkowy (mediana zbioru). Łańcuchy leżące geometrycznie na lewo od mediany tworzą lewe poddrzewo, a te na prawo – prawe poddrzewo. Liście drzewa wskazują pośrednio na szukane regiony Rᵢ zawarte między dwoma sąsiednimi separatorami.</a:t>

--- a/prezentacja_lodoba_werminski.pptx
+++ b/prezentacja_lodoba_werminski.pptx
@@ -13,12 +13,12 @@
     <p:sldId id="260" r:id="rId7"/>
     <p:sldId id="268" r:id="rId8"/>
     <p:sldId id="261" r:id="rId9"/>
-    <p:sldId id="269" r:id="rId10"/>
-    <p:sldId id="262" r:id="rId11"/>
-    <p:sldId id="270" r:id="rId12"/>
-    <p:sldId id="263" r:id="rId13"/>
-    <p:sldId id="273" r:id="rId14"/>
-    <p:sldId id="274" r:id="rId15"/>
+    <p:sldId id="277" r:id="rId10"/>
+    <p:sldId id="269" r:id="rId11"/>
+    <p:sldId id="262" r:id="rId12"/>
+    <p:sldId id="270" r:id="rId13"/>
+    <p:sldId id="263" r:id="rId14"/>
+    <p:sldId id="273" r:id="rId15"/>
     <p:sldId id="264" r:id="rId16"/>
     <p:sldId id="276" r:id="rId17"/>
     <p:sldId id="275" r:id="rId18"/>
@@ -12551,6 +12551,118 @@
           <p:cNvPr id="2" name="Tytuł 1">
             <a:extLst>
               <a:ext uri="{FF2B5EF4-FFF2-40B4-BE49-F238E27FC236}">
+                <a16:creationId xmlns:a16="http://schemas.microsoft.com/office/drawing/2014/main" id="{E0932538-7AAD-D427-0B4E-B8B38CAF5412}"/>
+              </a:ext>
+            </a:extLst>
+          </p:cNvPr>
+          <p:cNvSpPr>
+            <a:spLocks noGrp="1"/>
+          </p:cNvSpPr>
+          <p:nvPr>
+            <p:ph type="title"/>
+          </p:nvPr>
+        </p:nvSpPr>
+        <p:spPr/>
+        <p:txBody>
+          <a:bodyPr/>
+          <a:lstStyle/>
+          <a:p>
+            <a:r>
+              <a:rPr lang="pl-PL" dirty="0"/>
+              <a:t>Budowa Drzewa Poszukiwań</a:t>
+            </a:r>
+          </a:p>
+        </p:txBody>
+      </p:sp>
+      <p:sp>
+        <p:nvSpPr>
+          <p:cNvPr id="3" name="Symbol zastępczy zawartości 2">
+            <a:extLst>
+              <a:ext uri="{FF2B5EF4-FFF2-40B4-BE49-F238E27FC236}">
+                <a16:creationId xmlns:a16="http://schemas.microsoft.com/office/drawing/2014/main" id="{E76C3BFE-8341-5AC8-D4C0-8C3C29613923}"/>
+              </a:ext>
+            </a:extLst>
+          </p:cNvPr>
+          <p:cNvSpPr>
+            <a:spLocks noGrp="1"/>
+          </p:cNvSpPr>
+          <p:nvPr>
+            <p:ph idx="1"/>
+          </p:nvPr>
+        </p:nvSpPr>
+        <p:spPr/>
+        <p:txBody>
+          <a:bodyPr/>
+          <a:lstStyle/>
+          <a:p>
+            <a:pPr marL="0" indent="0">
+              <a:buNone/>
+            </a:pPr>
+            <a:r>
+              <a:rPr lang="pl-PL" dirty="0"/>
+              <a:t>Wygenerowane łańcuchy są organizowane w hierarchiczną strukturę danych – drzewo </a:t>
+            </a:r>
+            <a:r>
+              <a:rPr lang="pl-PL" dirty="0" err="1"/>
+              <a:t>SearchTreeNode</a:t>
+            </a:r>
+            <a:r>
+              <a:rPr lang="pl-PL" dirty="0"/>
+              <a:t>. Aby zapewnić logarytmiczny czas wyszukiwania, drzewo jest zbalansowane. </a:t>
+            </a:r>
+          </a:p>
+          <a:p>
+            <a:pPr marL="0" indent="0">
+              <a:buNone/>
+            </a:pPr>
+            <a:r>
+              <a:rPr lang="pl-PL" dirty="0"/>
+              <a:t>Jako korzeń drzewa wybierany jest separator środkowy (mediana zbioru). Łańcuchy leżące geometrycznie na lewo od mediany tworzą lewe poddrzewo, a te na prawo – prawe poddrzewo.</a:t>
+            </a:r>
+          </a:p>
+          <a:p>
+            <a:pPr marL="0" indent="0">
+              <a:buNone/>
+            </a:pPr>
+            <a:endParaRPr lang="pl-PL" dirty="0"/>
+          </a:p>
+        </p:txBody>
+      </p:sp>
+    </p:spTree>
+    <p:extLst>
+      <p:ext uri="{BB962C8B-B14F-4D97-AF65-F5344CB8AC3E}">
+        <p14:creationId xmlns:p14="http://schemas.microsoft.com/office/powerpoint/2010/main" val="336747266"/>
+      </p:ext>
+    </p:extLst>
+  </p:cSld>
+  <p:clrMapOvr>
+    <a:masterClrMapping/>
+  </p:clrMapOvr>
+</p:sld>
+</file>
+
+<file path=ppt/slides/slide11.xml><?xml version="1.0" encoding="utf-8"?>
+<p:sld xmlns:a="http://schemas.openxmlformats.org/drawingml/2006/main" xmlns:r="http://schemas.openxmlformats.org/officeDocument/2006/relationships" xmlns:p="http://schemas.openxmlformats.org/presentationml/2006/main">
+  <p:cSld>
+    <p:spTree>
+      <p:nvGrpSpPr>
+        <p:cNvPr id="1" name=""/>
+        <p:cNvGrpSpPr/>
+        <p:nvPr/>
+      </p:nvGrpSpPr>
+      <p:grpSpPr>
+        <a:xfrm>
+          <a:off x="0" y="0"/>
+          <a:ext cx="0" cy="0"/>
+          <a:chOff x="0" y="0"/>
+          <a:chExt cx="0" cy="0"/>
+        </a:xfrm>
+      </p:grpSpPr>
+      <p:sp>
+        <p:nvSpPr>
+          <p:cNvPr id="2" name="Tytuł 1">
+            <a:extLst>
+              <a:ext uri="{FF2B5EF4-FFF2-40B4-BE49-F238E27FC236}">
                 <a16:creationId xmlns:a16="http://schemas.microsoft.com/office/drawing/2014/main" id="{2D226454-3A22-D77A-0FB9-3DBD356A7EB3}"/>
               </a:ext>
             </a:extLst>
@@ -12655,7 +12767,7 @@
 </p:sld>
 </file>
 
-<file path=ppt/slides/slide11.xml><?xml version="1.0" encoding="utf-8"?>
+<file path=ppt/slides/slide12.xml><?xml version="1.0" encoding="utf-8"?>
 <p:sld xmlns:a="http://schemas.openxmlformats.org/drawingml/2006/main" xmlns:r="http://schemas.openxmlformats.org/officeDocument/2006/relationships" xmlns:p="http://schemas.openxmlformats.org/presentationml/2006/main">
   <p:cSld>
     <p:spTree>
@@ -12811,7 +12923,7 @@
 </p:sld>
 </file>
 
-<file path=ppt/slides/slide12.xml><?xml version="1.0" encoding="utf-8"?>
+<file path=ppt/slides/slide13.xml><?xml version="1.0" encoding="utf-8"?>
 <p:sld xmlns:a="http://schemas.openxmlformats.org/drawingml/2006/main" xmlns:r="http://schemas.openxmlformats.org/officeDocument/2006/relationships" xmlns:p="http://schemas.openxmlformats.org/presentationml/2006/main">
   <p:cSld>
     <p:spTree>
@@ -12942,7 +13054,7 @@
 </p:sld>
 </file>
 
-<file path=ppt/slides/slide13.xml><?xml version="1.0" encoding="utf-8"?>
+<file path=ppt/slides/slide14.xml><?xml version="1.0" encoding="utf-8"?>
 <p:sld xmlns:a="http://schemas.openxmlformats.org/drawingml/2006/main" xmlns:r="http://schemas.openxmlformats.org/officeDocument/2006/relationships" xmlns:p="http://schemas.openxmlformats.org/presentationml/2006/main">
   <p:cSld>
     <p:spTree>
@@ -13005,8 +13117,8 @@
         </p:nvSpPr>
         <p:spPr bwMode="auto">
           <a:xfrm>
-            <a:off x="1141413" y="2064952"/>
-            <a:ext cx="6607420" cy="3000821"/>
+            <a:off x="1141413" y="2434283"/>
+            <a:ext cx="5777861" cy="2262158"/>
           </a:xfrm>
           <a:prstGeom prst="rect">
             <a:avLst/>
@@ -13081,7 +13193,26 @@
                 <a:effectLst/>
                 <a:cs typeface="Arial" panose="020B0604020202020204" pitchFamily="34" charset="0"/>
               </a:rPr>
-              <a:t>W finalnym kroku algorytm dysponuje dwoma separatorami: najbliższym z lewej oraz najbliższym z prawej. Ponieważ regiony nie są przechowywane w pamięci jako gotowe obiekty, program musi je dynamicznie odtworzyć. Realizowane jest to poprzez równoczesne przejście po wierzchołkach obu łańcuchów. Algorytm identyfikuje punkty wspólne, w których separatory się stykają. </a:t>
+              <a:t>W finalnym kroku algorytm dysponuje dwoma separatorami: najbliższym z lewej oraz najbliższym z prawej. </a:t>
+            </a:r>
+            <a:r>
+              <a:rPr lang="pl-PL" altLang="pl-PL" dirty="0">
+                <a:cs typeface="Arial" panose="020B0604020202020204" pitchFamily="34" charset="0"/>
+              </a:rPr>
+              <a:t>Algorytm korzysta ze słownika regionów i za pomocą wyszukiwania binarnego określa obszar w którym zawiera się punkt</a:t>
+            </a:r>
+            <a:r>
+              <a:rPr kumimoji="0" lang="pl-PL" altLang="pl-PL" b="0" i="0" u="none" strike="noStrike" cap="none" normalizeH="0" baseline="0" dirty="0">
+                <a:ln>
+                  <a:noFill/>
+                </a:ln>
+                <a:solidFill>
+                  <a:schemeClr val="tx1"/>
+                </a:solidFill>
+                <a:effectLst/>
+                <a:cs typeface="Arial" panose="020B0604020202020204" pitchFamily="34" charset="0"/>
+              </a:rPr>
+              <a:t>. </a:t>
             </a:r>
           </a:p>
         </p:txBody>
@@ -13120,144 +13251,6 @@
     <p:extLst>
       <p:ext uri="{BB962C8B-B14F-4D97-AF65-F5344CB8AC3E}">
         <p14:creationId xmlns:p14="http://schemas.microsoft.com/office/powerpoint/2010/main" val="3714972828"/>
-      </p:ext>
-    </p:extLst>
-  </p:cSld>
-  <p:clrMapOvr>
-    <a:masterClrMapping/>
-  </p:clrMapOvr>
-</p:sld>
-</file>
-
-<file path=ppt/slides/slide14.xml><?xml version="1.0" encoding="utf-8"?>
-<p:sld xmlns:a="http://schemas.openxmlformats.org/drawingml/2006/main" xmlns:r="http://schemas.openxmlformats.org/officeDocument/2006/relationships" xmlns:p="http://schemas.openxmlformats.org/presentationml/2006/main">
-  <p:cSld>
-    <p:spTree>
-      <p:nvGrpSpPr>
-        <p:cNvPr id="1" name=""/>
-        <p:cNvGrpSpPr/>
-        <p:nvPr/>
-      </p:nvGrpSpPr>
-      <p:grpSpPr>
-        <a:xfrm>
-          <a:off x="0" y="0"/>
-          <a:ext cx="0" cy="0"/>
-          <a:chOff x="0" y="0"/>
-          <a:chExt cx="0" cy="0"/>
-        </a:xfrm>
-      </p:grpSpPr>
-      <p:sp>
-        <p:nvSpPr>
-          <p:cNvPr id="2" name="Tytuł 1">
-            <a:extLst>
-              <a:ext uri="{FF2B5EF4-FFF2-40B4-BE49-F238E27FC236}">
-                <a16:creationId xmlns:a16="http://schemas.microsoft.com/office/drawing/2014/main" id="{18284705-6B11-6730-A74A-A27A871E70D8}"/>
-              </a:ext>
-            </a:extLst>
-          </p:cNvPr>
-          <p:cNvSpPr>
-            <a:spLocks noGrp="1"/>
-          </p:cNvSpPr>
-          <p:nvPr>
-            <p:ph type="title"/>
-          </p:nvPr>
-        </p:nvSpPr>
-        <p:spPr/>
-        <p:txBody>
-          <a:bodyPr/>
-          <a:lstStyle/>
-          <a:p>
-            <a:r>
-              <a:rPr lang="pl-PL" dirty="0"/>
-              <a:t>Konstrukcja wyniku</a:t>
-            </a:r>
-            <a:br>
-              <a:rPr lang="pl-PL" dirty="0"/>
-            </a:br>
-            <a:endParaRPr lang="pl-PL" dirty="0"/>
-          </a:p>
-        </p:txBody>
-      </p:sp>
-      <p:sp>
-        <p:nvSpPr>
-          <p:cNvPr id="3" name="Symbol zastępczy zawartości 2">
-            <a:extLst>
-              <a:ext uri="{FF2B5EF4-FFF2-40B4-BE49-F238E27FC236}">
-                <a16:creationId xmlns:a16="http://schemas.microsoft.com/office/drawing/2014/main" id="{14AD547B-61AA-F4E3-15A6-A50799010C83}"/>
-              </a:ext>
-            </a:extLst>
-          </p:cNvPr>
-          <p:cNvSpPr>
-            <a:spLocks noGrp="1"/>
-          </p:cNvSpPr>
-          <p:nvPr>
-            <p:ph idx="1"/>
-          </p:nvPr>
-        </p:nvSpPr>
-        <p:spPr>
-          <a:xfrm>
-            <a:off x="1141413" y="2249487"/>
-            <a:ext cx="5570472" cy="3541714"/>
-          </a:xfrm>
-        </p:spPr>
-        <p:txBody>
-          <a:bodyPr>
-            <a:normAutofit lnSpcReduction="10000"/>
-          </a:bodyPr>
-          <a:lstStyle/>
-          <a:p>
-            <a:pPr marL="0" indent="0">
-              <a:buNone/>
-            </a:pPr>
-            <a:r>
-              <a:rPr lang="pl-PL" altLang="pl-PL" dirty="0">
-                <a:cs typeface="Arial" panose="020B0604020202020204" pitchFamily="34" charset="0"/>
-              </a:rPr>
-              <a:t>Obszar zawarty pomiędzy dwoma kolejnymi punktami styczności tworzy zamkniętą przestrzeń. Spośród wszystkich wykrytych między separatorami przestrzeni, wybierana jest ta, która w pionie (oś Y) obejmuje współrzędną punktu zapytania. Krawędzie tworzące ten konkretny bąbelek są zwracane jako szukany region.</a:t>
-            </a:r>
-            <a:endParaRPr lang="pl-PL" dirty="0">
-              <a:cs typeface="Arial" panose="020B0604020202020204" pitchFamily="34" charset="0"/>
-            </a:endParaRPr>
-          </a:p>
-          <a:p>
-            <a:endParaRPr lang="pl-PL" dirty="0"/>
-          </a:p>
-        </p:txBody>
-      </p:sp>
-      <p:pic>
-        <p:nvPicPr>
-          <p:cNvPr id="5" name="Obraz 4" descr="Obraz zawierający linia, diagram, design&#10;&#10;Zawartość wygenerowana przez AI może być niepoprawna.">
-            <a:extLst>
-              <a:ext uri="{FF2B5EF4-FFF2-40B4-BE49-F238E27FC236}">
-                <a16:creationId xmlns:a16="http://schemas.microsoft.com/office/drawing/2014/main" id="{077B84E7-56D7-C4DE-84BB-098E7CC3BFAC}"/>
-              </a:ext>
-            </a:extLst>
-          </p:cNvPr>
-          <p:cNvPicPr>
-            <a:picLocks noChangeAspect="1"/>
-          </p:cNvPicPr>
-          <p:nvPr/>
-        </p:nvPicPr>
-        <p:blipFill>
-          <a:blip r:embed="rId2"/>
-          <a:stretch>
-            <a:fillRect/>
-          </a:stretch>
-        </p:blipFill>
-        <p:spPr>
-          <a:xfrm>
-            <a:off x="7376141" y="2249487"/>
-            <a:ext cx="4228255" cy="3176503"/>
-          </a:xfrm>
-          <a:prstGeom prst="rect">
-            <a:avLst/>
-          </a:prstGeom>
-        </p:spPr>
-      </p:pic>
-    </p:spTree>
-    <p:extLst>
-      <p:ext uri="{BB962C8B-B14F-4D97-AF65-F5344CB8AC3E}">
-        <p14:creationId xmlns:p14="http://schemas.microsoft.com/office/powerpoint/2010/main" val="2855163226"/>
       </p:ext>
     </p:extLst>
   </p:cSld>
@@ -13915,10 +13908,9 @@
           <a:lstStyle/>
           <a:p>
             <a:r>
-              <a:rPr lang="pl-PL" b="1" dirty="0"/>
+              <a:rPr lang="pl-PL" dirty="0"/>
               <a:t>Definicja Problemu</a:t>
             </a:r>
-            <a:endParaRPr lang="pl-PL" dirty="0"/>
           </a:p>
         </p:txBody>
       </p:sp>
@@ -14027,11 +14019,106 @@
             <p:ph idx="1"/>
           </p:nvPr>
         </p:nvSpPr>
-        <p:spPr/>
+        <p:spPr>
+          <a:xfrm>
+            <a:off x="1141412" y="2249487"/>
+            <a:ext cx="10651520" cy="3541714"/>
+          </a:xfrm>
+        </p:spPr>
         <p:txBody>
-          <a:bodyPr/>
+          <a:bodyPr>
+            <a:normAutofit lnSpcReduction="10000"/>
+          </a:bodyPr>
           <a:lstStyle/>
           <a:p>
+            <a:pPr marL="0" indent="0">
+              <a:buNone/>
+            </a:pPr>
+            <a:endParaRPr lang="pl-PL" dirty="0"/>
+          </a:p>
+          <a:p>
+            <a:r>
+              <a:rPr lang="pl-PL" dirty="0"/>
+              <a:t>R. </a:t>
+            </a:r>
+            <a:r>
+              <a:rPr lang="pl-PL" dirty="0" err="1"/>
+              <a:t>Tamassia</a:t>
+            </a:r>
+            <a:r>
+              <a:rPr lang="pl-PL" dirty="0"/>
+              <a:t>, Brown University, (1993) </a:t>
+            </a:r>
+            <a:r>
+              <a:rPr lang="pl-PL" dirty="0">
+                <a:hlinkClick r:id="rId2"/>
+              </a:rPr>
+              <a:t>https://cs.brown.edu/courses/cs252/misc/resources/lectures/pdf/notes05.pdf</a:t>
+            </a:r>
+            <a:endParaRPr lang="pl-PL" dirty="0"/>
+          </a:p>
+          <a:p>
+            <a:r>
+              <a:rPr lang="pl-PL" dirty="0"/>
+              <a:t>D. T. Lee, F. P. </a:t>
+            </a:r>
+            <a:r>
+              <a:rPr lang="pl-PL" dirty="0" err="1"/>
+              <a:t>Preparta</a:t>
+            </a:r>
+            <a:r>
+              <a:rPr lang="pl-PL" dirty="0"/>
+              <a:t>, University of Illinois (1976) </a:t>
+            </a:r>
+            <a:r>
+              <a:rPr lang="pl-PL" dirty="0">
+                <a:hlinkClick r:id="rId3"/>
+              </a:rPr>
+              <a:t>https://dl.acm.org/doi/epdf/10.1145/800113.803653</a:t>
+            </a:r>
+            <a:endParaRPr lang="pl-PL" dirty="0"/>
+          </a:p>
+          <a:p>
+            <a:r>
+              <a:rPr lang="pl-PL" dirty="0"/>
+              <a:t>H. </a:t>
+            </a:r>
+            <a:r>
+              <a:rPr lang="pl-PL" dirty="0" err="1"/>
+              <a:t>Edelsbrunner</a:t>
+            </a:r>
+            <a:r>
+              <a:rPr lang="pl-PL" dirty="0"/>
+              <a:t>, L. J. </a:t>
+            </a:r>
+            <a:r>
+              <a:rPr lang="pl-PL" dirty="0" err="1"/>
+              <a:t>Guibas</a:t>
+            </a:r>
+            <a:r>
+              <a:rPr lang="pl-PL" dirty="0"/>
+              <a:t>, J. </a:t>
+            </a:r>
+            <a:r>
+              <a:rPr lang="pl-PL" dirty="0" err="1"/>
+              <a:t>Stolfi</a:t>
+            </a:r>
+            <a:r>
+              <a:rPr lang="pl-PL" dirty="0"/>
+              <a:t>, (1986) </a:t>
+            </a:r>
+            <a:r>
+              <a:rPr lang="pl-PL" dirty="0">
+                <a:hlinkClick r:id="rId4"/>
+              </a:rPr>
+              <a:t>https://graphics.stanford.edu/courses/cs268-11-spring/notes/opt_point_loc.pdf</a:t>
+            </a:r>
+            <a:endParaRPr lang="pl-PL" dirty="0"/>
+          </a:p>
+          <a:p>
+            <a:pPr marL="0" indent="0">
+              <a:buNone/>
+            </a:pPr>
             <a:endParaRPr lang="pl-PL" dirty="0"/>
           </a:p>
         </p:txBody>
@@ -14224,31 +14311,7 @@
             </a:r>
             <a:r>
               <a:rPr lang="pl-PL" dirty="0"/>
-              <a:t>. W projekcie zastosowano algorytm triangulacji (metoda </a:t>
-            </a:r>
-            <a:r>
-              <a:rPr lang="pl-PL" dirty="0" err="1"/>
-              <a:t>Ear</a:t>
-            </a:r>
-            <a:r>
-              <a:rPr lang="pl-PL" dirty="0"/>
-              <a:t> </a:t>
-            </a:r>
-            <a:r>
-              <a:rPr lang="pl-PL" dirty="0" err="1"/>
-              <a:t>Clipping</a:t>
-            </a:r>
-            <a:r>
-              <a:rPr lang="pl-PL" dirty="0"/>
-              <a:t>), który w fazie </a:t>
-            </a:r>
-            <a:r>
-              <a:rPr lang="pl-PL" dirty="0" err="1"/>
-              <a:t>preprocessingu</a:t>
-            </a:r>
-            <a:r>
-              <a:rPr lang="pl-PL" dirty="0"/>
-              <a:t> dzieli dowolne wielokąty na trójkąty. Trójkąty są z definicji monotoniczne, co gwarantuje poprawność dalszych kroków algorytmu.</a:t>
+              <a:t>. W projekcie zastosowano algorytm triangulacji, który w fazie przygotowywania danych dzieli dowolne wielokąty na trójkąty. Trójkąty są z definicji monotoniczne, co gwarantuje poprawność dalszych kroków algorytmu.</a:t>
             </a:r>
           </a:p>
         </p:txBody>
@@ -14530,11 +14593,13 @@
         <p:spPr>
           <a:xfrm>
             <a:off x="1141412" y="2249487"/>
-            <a:ext cx="9774827" cy="3541714"/>
+            <a:ext cx="6701689" cy="3541714"/>
           </a:xfrm>
         </p:spPr>
         <p:txBody>
-          <a:bodyPr/>
+          <a:bodyPr>
+            <a:normAutofit fontScale="92500" lnSpcReduction="10000"/>
+          </a:bodyPr>
           <a:lstStyle/>
           <a:p>
             <a:pPr marL="0" indent="0">
@@ -14550,11 +14615,41 @@
             </a:r>
             <a:r>
               <a:rPr lang="pl-PL" dirty="0"/>
-              <a:t>, przechowującą listy sąsiedztwa każdego punktu. Kluczowym zabiegiem jest posortowanie wierzchołków na płaszczyźnie względem współrzędnej Y oraz skierowanie wszystkich krawędzi "w górę". Krawędzie wychodzące z każdego wierzchołka są dodatkowo sortowane kątowo (od lewej do prawej), co pozwala na jednoznaczną identyfikację skrajnych ścieżek.</a:t>
+              <a:t>, przechowującą listy sąsiedztwa każdego punktu. Kluczowym zabiegiem jest posortowanie wierzchołków na płaszczyźnie względem współrzędnej Y oraz skierowanie wszystkich krawędzi w górę. Krawędzie wychodzące z każdego wierzchołka są dodatkowo sortowane kątowo od lewej do prawej, co pozwala na jednoznaczną identyfikację skrajnych ścieżek.</a:t>
             </a:r>
           </a:p>
         </p:txBody>
       </p:sp>
+      <p:pic>
+        <p:nvPicPr>
+          <p:cNvPr id="7" name="Obraz 6" descr="Obraz zawierający statyw, linia&#10;&#10;Zawartość wygenerowana przez AI może być niepoprawna.">
+            <a:extLst>
+              <a:ext uri="{FF2B5EF4-FFF2-40B4-BE49-F238E27FC236}">
+                <a16:creationId xmlns:a16="http://schemas.microsoft.com/office/drawing/2014/main" id="{413A4613-930F-E022-AD7C-E7FB175C6380}"/>
+              </a:ext>
+            </a:extLst>
+          </p:cNvPr>
+          <p:cNvPicPr>
+            <a:picLocks noChangeAspect="1"/>
+          </p:cNvPicPr>
+          <p:nvPr/>
+        </p:nvPicPr>
+        <p:blipFill>
+          <a:blip r:embed="rId2"/>
+          <a:stretch>
+            <a:fillRect/>
+          </a:stretch>
+        </p:blipFill>
+        <p:spPr>
+          <a:xfrm>
+            <a:off x="8199912" y="2097088"/>
+            <a:ext cx="3277057" cy="3496163"/>
+          </a:xfrm>
+          <a:prstGeom prst="rect">
+            <a:avLst/>
+          </a:prstGeom>
+        </p:spPr>
+      </p:pic>
     </p:spTree>
     <p:extLst>
       <p:ext uri="{BB962C8B-B14F-4D97-AF65-F5344CB8AC3E}">
@@ -15220,7 +15315,7 @@
           <p:cNvPr id="2" name="Tytuł 1">
             <a:extLst>
               <a:ext uri="{FF2B5EF4-FFF2-40B4-BE49-F238E27FC236}">
-                <a16:creationId xmlns:a16="http://schemas.microsoft.com/office/drawing/2014/main" id="{E0932538-7AAD-D427-0B4E-B8B38CAF5412}"/>
+                <a16:creationId xmlns:a16="http://schemas.microsoft.com/office/drawing/2014/main" id="{DCB81E3A-53F3-F950-66EC-B2683836234C}"/>
               </a:ext>
             </a:extLst>
           </p:cNvPr>
@@ -15238,69 +15333,221 @@
           <a:p>
             <a:r>
               <a:rPr lang="pl-PL" dirty="0"/>
-              <a:t>Budowa Drzewa Poszukiwań</a:t>
+              <a:t>Konstrukcja Regionów</a:t>
             </a:r>
           </a:p>
         </p:txBody>
       </p:sp>
+      <p:pic>
+        <p:nvPicPr>
+          <p:cNvPr id="5" name="Obraz 4">
+            <a:extLst>
+              <a:ext uri="{FF2B5EF4-FFF2-40B4-BE49-F238E27FC236}">
+                <a16:creationId xmlns:a16="http://schemas.microsoft.com/office/drawing/2014/main" id="{45A2F21B-B6B1-ABE5-3C5C-3ECFDF3C8875}"/>
+              </a:ext>
+            </a:extLst>
+          </p:cNvPr>
+          <p:cNvPicPr>
+            <a:picLocks noChangeAspect="1"/>
+          </p:cNvPicPr>
+          <p:nvPr/>
+        </p:nvPicPr>
+        <p:blipFill>
+          <a:blip r:embed="rId2"/>
+          <a:stretch>
+            <a:fillRect/>
+          </a:stretch>
+        </p:blipFill>
+        <p:spPr>
+          <a:xfrm>
+            <a:off x="8061141" y="618518"/>
+            <a:ext cx="3829584" cy="2905530"/>
+          </a:xfrm>
+          <a:prstGeom prst="rect">
+            <a:avLst/>
+          </a:prstGeom>
+        </p:spPr>
+      </p:pic>
+      <p:pic>
+        <p:nvPicPr>
+          <p:cNvPr id="6" name="Obraz 5" descr="Obraz zawierający linia, diagram, design&#10;&#10;Zawartość wygenerowana przez AI może być niepoprawna.">
+            <a:extLst>
+              <a:ext uri="{FF2B5EF4-FFF2-40B4-BE49-F238E27FC236}">
+                <a16:creationId xmlns:a16="http://schemas.microsoft.com/office/drawing/2014/main" id="{F4333F64-0350-E653-3D06-104D3C1C165A}"/>
+              </a:ext>
+            </a:extLst>
+          </p:cNvPr>
+          <p:cNvPicPr>
+            <a:picLocks noChangeAspect="1"/>
+          </p:cNvPicPr>
+          <p:nvPr/>
+        </p:nvPicPr>
+        <p:blipFill>
+          <a:blip r:embed="rId3"/>
+          <a:stretch>
+            <a:fillRect/>
+          </a:stretch>
+        </p:blipFill>
+        <p:spPr>
+          <a:xfrm>
+            <a:off x="8061141" y="3703157"/>
+            <a:ext cx="3850775" cy="2892919"/>
+          </a:xfrm>
+          <a:prstGeom prst="rect">
+            <a:avLst/>
+          </a:prstGeom>
+        </p:spPr>
+      </p:pic>
       <p:sp>
         <p:nvSpPr>
-          <p:cNvPr id="3" name="Symbol zastępczy zawartości 2">
+          <p:cNvPr id="9" name="Rectangle 3">
             <a:extLst>
               <a:ext uri="{FF2B5EF4-FFF2-40B4-BE49-F238E27FC236}">
-                <a16:creationId xmlns:a16="http://schemas.microsoft.com/office/drawing/2014/main" id="{E76C3BFE-8341-5AC8-D4C0-8C3C29613923}"/>
+                <a16:creationId xmlns:a16="http://schemas.microsoft.com/office/drawing/2014/main" id="{39F005DC-1397-31F8-72B6-45DD3303E4D2}"/>
               </a:ext>
             </a:extLst>
           </p:cNvPr>
           <p:cNvSpPr>
-            <a:spLocks noGrp="1"/>
+            <a:spLocks noGrp="1" noChangeArrowheads="1"/>
           </p:cNvSpPr>
           <p:nvPr>
             <p:ph idx="1"/>
           </p:nvPr>
         </p:nvSpPr>
-        <p:spPr/>
+        <p:spPr bwMode="auto">
+          <a:xfrm>
+            <a:off x="1141413" y="1748595"/>
+            <a:ext cx="6476216" cy="4847481"/>
+          </a:xfrm>
+          <a:prstGeom prst="rect">
+            <a:avLst/>
+          </a:prstGeom>
+          <a:noFill/>
+          <a:ln>
+            <a:noFill/>
+          </a:ln>
+          <a:effectLst/>
+          <a:extLst>
+            <a:ext uri="{909E8E84-426E-40DD-AFC4-6F175D3DCCD1}">
+              <a14:hiddenFill xmlns:a14="http://schemas.microsoft.com/office/drawing/2010/main">
+                <a:solidFill>
+                  <a:schemeClr val="accent1"/>
+                </a:solidFill>
+              </a14:hiddenFill>
+            </a:ext>
+            <a:ext uri="{91240B29-F687-4F45-9708-019B960494DF}">
+              <a14:hiddenLine xmlns:a14="http://schemas.microsoft.com/office/drawing/2010/main" w="9525">
+                <a:solidFill>
+                  <a:schemeClr val="tx1"/>
+                </a:solidFill>
+                <a:miter lim="800000"/>
+                <a:headEnd/>
+                <a:tailEnd/>
+              </a14:hiddenLine>
+            </a:ext>
+            <a:ext uri="{AF507438-7753-43E0-B8FC-AC1667EBCBE1}">
+              <a14:hiddenEffects xmlns:a14="http://schemas.microsoft.com/office/drawing/2010/main">
+                <a:effectLst>
+                  <a:outerShdw dist="35921" dir="2700000" algn="ctr" rotWithShape="0">
+                    <a:schemeClr val="bg2"/>
+                  </a:outerShdw>
+                </a:effectLst>
+              </a14:hiddenEffects>
+            </a:ext>
+          </a:extLst>
+        </p:spPr>
         <p:txBody>
-          <a:bodyPr/>
+          <a:bodyPr vert="horz" wrap="square" lIns="91440" tIns="0" rIns="91440" bIns="45720" numCol="1" anchor="ctr" anchorCtr="0" compatLnSpc="1">
+            <a:prstTxWarp prst="textNoShape">
+              <a:avLst/>
+            </a:prstTxWarp>
+            <a:spAutoFit/>
+          </a:bodyPr>
           <a:lstStyle/>
           <a:p>
-            <a:pPr marL="0" indent="0">
-              <a:buNone/>
+            <a:pPr marL="0" marR="0" lvl="0" indent="0" algn="l" defTabSz="914400" rtl="0" eaLnBrk="0" fontAlgn="base" latinLnBrk="0" hangingPunct="0">
+              <a:lnSpc>
+                <a:spcPct val="100000"/>
+              </a:lnSpc>
+              <a:spcBef>
+                <a:spcPct val="0"/>
+              </a:spcBef>
+              <a:spcAft>
+                <a:spcPct val="0"/>
+              </a:spcAft>
+              <a:buClrTx/>
+              <a:buSzTx/>
+              <a:buFontTx/>
+              <a:buNone/>
+              <a:tabLst/>
             </a:pPr>
             <a:r>
-              <a:rPr lang="pl-PL" dirty="0"/>
-              <a:t>Wygenerowane łańcuchy są organizowane w hierarchiczną strukturę danych – drzewo </a:t>
-            </a:r>
-            <a:r>
-              <a:rPr lang="pl-PL" dirty="0" err="1"/>
-              <a:t>SearchTreeNode</a:t>
-            </a:r>
-            <a:r>
-              <a:rPr lang="pl-PL" dirty="0"/>
-              <a:t>. Aby zapewnić logarytmiczny czas wyszukiwania, drzewo jest zbalansowane. </a:t>
-            </a:r>
-          </a:p>
-          <a:p>
-            <a:pPr marL="0" indent="0">
-              <a:buNone/>
-            </a:pPr>
-            <a:r>
-              <a:rPr lang="pl-PL" dirty="0"/>
-              <a:t>Jako korzeń drzewa wybierany jest separator środkowy (mediana zbioru). Łańcuchy leżące geometrycznie na lewo od mediany tworzą lewe poddrzewo, a te na prawo – prawe poddrzewo. Liście drzewa wskazują pośrednio na szukane regiony Rᵢ zawarte między dwoma sąsiednimi separatorami.</a:t>
-            </a:r>
-          </a:p>
-          <a:p>
-            <a:pPr marL="0" indent="0">
-              <a:buNone/>
-            </a:pPr>
-            <a:endParaRPr lang="pl-PL" dirty="0"/>
+              <a:rPr kumimoji="0" lang="pl-PL" altLang="pl-PL" b="0" i="0" u="none" strike="noStrike" cap="none" normalizeH="0" baseline="0" dirty="0">
+                <a:ln>
+                  <a:noFill/>
+                </a:ln>
+                <a:solidFill>
+                  <a:schemeClr val="tx1"/>
+                </a:solidFill>
+                <a:effectLst/>
+              </a:rPr>
+              <a:t>Kolejnym elementem implementacji jest funkcja </a:t>
+            </a:r>
+            <a:r>
+              <a:rPr kumimoji="0" lang="pl-PL" altLang="pl-PL" b="0" i="0" u="none" strike="noStrike" cap="none" normalizeH="0" baseline="0" dirty="0" err="1">
+                <a:ln>
+                  <a:noFill/>
+                </a:ln>
+                <a:solidFill>
+                  <a:schemeClr val="tx1"/>
+                </a:solidFill>
+                <a:effectLst/>
+              </a:rPr>
+              <a:t>precompute_regions</a:t>
+            </a:r>
+            <a:r>
+              <a:rPr kumimoji="0" lang="pl-PL" altLang="pl-PL" b="0" i="0" u="none" strike="noStrike" cap="none" normalizeH="0" baseline="0" dirty="0">
+                <a:ln>
+                  <a:noFill/>
+                </a:ln>
+                <a:solidFill>
+                  <a:schemeClr val="tx1"/>
+                </a:solidFill>
+                <a:effectLst/>
+              </a:rPr>
+              <a:t>, uruchamiana jednorazowo w fazie przygotowywania danych, tuż po wygenerowaniu łańcuchów monotonicznych. Algorytm ten iteruje po wszystkich parach sąsiednich separatorów, identyfikując miejsca ich rozwidlania i ponownego łączenia, co pozwala na precyzyjne wyodrębnienie zamkniętych obszarów geometrycznych. Zidentyfikowane obszary trafiają do struktury słownikowej </a:t>
+            </a:r>
+            <a:r>
+              <a:rPr kumimoji="0" lang="pl-PL" altLang="pl-PL" b="0" i="0" u="none" strike="noStrike" cap="none" normalizeH="0" baseline="0" dirty="0" err="1">
+                <a:ln>
+                  <a:noFill/>
+                </a:ln>
+                <a:solidFill>
+                  <a:schemeClr val="tx1"/>
+                </a:solidFill>
+                <a:effectLst/>
+              </a:rPr>
+              <a:t>region_map</a:t>
+            </a:r>
+            <a:r>
+              <a:rPr kumimoji="0" lang="pl-PL" altLang="pl-PL" b="0" i="0" u="none" strike="noStrike" cap="none" normalizeH="0" baseline="0" dirty="0">
+                <a:ln>
+                  <a:noFill/>
+                </a:ln>
+                <a:solidFill>
+                  <a:schemeClr val="tx1"/>
+                </a:solidFill>
+                <a:effectLst/>
+              </a:rPr>
+              <a:t>, gdzie dla każdej pary separatorów przechowywana jest lista wielokątów, posortowana rosnąco według współrzędnej Y.</a:t>
+            </a:r>
           </a:p>
         </p:txBody>
       </p:sp>
     </p:spTree>
     <p:extLst>
       <p:ext uri="{BB962C8B-B14F-4D97-AF65-F5344CB8AC3E}">
-        <p14:creationId xmlns:p14="http://schemas.microsoft.com/office/powerpoint/2010/main" val="336747266"/>
+        <p14:creationId xmlns:p14="http://schemas.microsoft.com/office/powerpoint/2010/main" val="3689644874"/>
       </p:ext>
     </p:extLst>
   </p:cSld>
